--- a/source/vsf/documents/vsf_brief.pptx
+++ b/source/vsf/documents/vsf_brief.pptx
@@ -5,10 +5,10 @@
     <p:sldMasterId id="2147483648" r:id="rId1"/>
   </p:sldMasterIdLst>
   <p:sldIdLst>
-    <p:sldId id="256" r:id="rId3"/>
-    <p:sldId id="268" r:id="rId4"/>
-    <p:sldId id="278" r:id="rId5"/>
-    <p:sldId id="279" r:id="rId6"/>
+    <p:sldId id="256" r:id="rId2"/>
+    <p:sldId id="268" r:id="rId3"/>
+    <p:sldId id="278" r:id="rId4"/>
+    <p:sldId id="279" r:id="rId5"/>
   </p:sldIdLst>
   <p:sldSz cx="12192000" cy="6858000"/>
   <p:notesSz cx="6858000" cy="9144000"/>
@@ -107,6 +107,11 @@
       </a:defRPr>
     </a:lvl9pPr>
   </p:defaultTextStyle>
+  <p:extLst>
+    <p:ext uri="{EFAFB233-063F-42B5-8137-9DF3F51BA10A}">
+      <p15:sldGuideLst xmlns:p15="http://schemas.microsoft.com/office/powerpoint/2012/main"/>
+    </p:ext>
+  </p:extLst>
 </p:presentation>
 </file>
 
@@ -241,6 +246,7 @@
           <a:p>
             <a:fld id="{9354F68C-8213-4CA4-84EB-EFCFBA0D9D02}" type="datetimeFigureOut">
               <a:rPr lang="en-GB" smtClean="0"/>
+              <a:t>28/06/2020</a:t>
             </a:fld>
             <a:endParaRPr lang="en-GB"/>
           </a:p>
@@ -282,6 +288,7 @@
           <a:p>
             <a:fld id="{D4F90B3F-187D-4E59-A311-3B2C189BDC53}" type="slidenum">
               <a:rPr lang="en-GB" smtClean="0"/>
+              <a:t>‹#›</a:t>
             </a:fld>
             <a:endParaRPr lang="en-GB"/>
           </a:p>
@@ -355,7 +362,6 @@
               <a:rPr lang="en-US"/>
               <a:t>Click to edit Master text styles</a:t>
             </a:r>
-            <a:endParaRPr lang="en-US"/>
           </a:p>
           <a:p>
             <a:pPr lvl="1"/>
@@ -363,7 +369,6 @@
               <a:rPr lang="en-US"/>
               <a:t>Second level</a:t>
             </a:r>
-            <a:endParaRPr lang="en-US"/>
           </a:p>
           <a:p>
             <a:pPr lvl="2"/>
@@ -371,7 +376,6 @@
               <a:rPr lang="en-US"/>
               <a:t>Third level</a:t>
             </a:r>
-            <a:endParaRPr lang="en-US"/>
           </a:p>
           <a:p>
             <a:pPr lvl="3"/>
@@ -379,7 +383,6 @@
               <a:rPr lang="en-US"/>
               <a:t>Fourth level</a:t>
             </a:r>
-            <a:endParaRPr lang="en-US"/>
           </a:p>
           <a:p>
             <a:pPr lvl="4"/>
@@ -408,6 +411,7 @@
           <a:p>
             <a:fld id="{9354F68C-8213-4CA4-84EB-EFCFBA0D9D02}" type="datetimeFigureOut">
               <a:rPr lang="en-GB" smtClean="0"/>
+              <a:t>28/06/2020</a:t>
             </a:fld>
             <a:endParaRPr lang="en-GB"/>
           </a:p>
@@ -449,6 +453,7 @@
           <a:p>
             <a:fld id="{D4F90B3F-187D-4E59-A311-3B2C189BDC53}" type="slidenum">
               <a:rPr lang="en-GB" smtClean="0"/>
+              <a:t>‹#›</a:t>
             </a:fld>
             <a:endParaRPr lang="en-GB"/>
           </a:p>
@@ -532,7 +537,6 @@
               <a:rPr lang="en-US"/>
               <a:t>Click to edit Master text styles</a:t>
             </a:r>
-            <a:endParaRPr lang="en-US"/>
           </a:p>
           <a:p>
             <a:pPr lvl="1"/>
@@ -540,7 +544,6 @@
               <a:rPr lang="en-US"/>
               <a:t>Second level</a:t>
             </a:r>
-            <a:endParaRPr lang="en-US"/>
           </a:p>
           <a:p>
             <a:pPr lvl="2"/>
@@ -548,7 +551,6 @@
               <a:rPr lang="en-US"/>
               <a:t>Third level</a:t>
             </a:r>
-            <a:endParaRPr lang="en-US"/>
           </a:p>
           <a:p>
             <a:pPr lvl="3"/>
@@ -556,7 +558,6 @@
               <a:rPr lang="en-US"/>
               <a:t>Fourth level</a:t>
             </a:r>
-            <a:endParaRPr lang="en-US"/>
           </a:p>
           <a:p>
             <a:pPr lvl="4"/>
@@ -585,6 +586,7 @@
           <a:p>
             <a:fld id="{9354F68C-8213-4CA4-84EB-EFCFBA0D9D02}" type="datetimeFigureOut">
               <a:rPr lang="en-GB" smtClean="0"/>
+              <a:t>28/06/2020</a:t>
             </a:fld>
             <a:endParaRPr lang="en-GB"/>
           </a:p>
@@ -626,6 +628,7 @@
           <a:p>
             <a:fld id="{D4F90B3F-187D-4E59-A311-3B2C189BDC53}" type="slidenum">
               <a:rPr lang="en-GB" smtClean="0"/>
+              <a:t>‹#›</a:t>
             </a:fld>
             <a:endParaRPr lang="en-GB"/>
           </a:p>
@@ -699,7 +702,6 @@
               <a:rPr lang="en-US"/>
               <a:t>Click to edit Master text styles</a:t>
             </a:r>
-            <a:endParaRPr lang="en-US"/>
           </a:p>
           <a:p>
             <a:pPr lvl="1"/>
@@ -707,7 +709,6 @@
               <a:rPr lang="en-US"/>
               <a:t>Second level</a:t>
             </a:r>
-            <a:endParaRPr lang="en-US"/>
           </a:p>
           <a:p>
             <a:pPr lvl="2"/>
@@ -715,7 +716,6 @@
               <a:rPr lang="en-US"/>
               <a:t>Third level</a:t>
             </a:r>
-            <a:endParaRPr lang="en-US"/>
           </a:p>
           <a:p>
             <a:pPr lvl="3"/>
@@ -723,7 +723,6 @@
               <a:rPr lang="en-US"/>
               <a:t>Fourth level</a:t>
             </a:r>
-            <a:endParaRPr lang="en-US"/>
           </a:p>
           <a:p>
             <a:pPr lvl="4"/>
@@ -752,6 +751,7 @@
           <a:p>
             <a:fld id="{9354F68C-8213-4CA4-84EB-EFCFBA0D9D02}" type="datetimeFigureOut">
               <a:rPr lang="en-GB" smtClean="0"/>
+              <a:t>28/06/2020</a:t>
             </a:fld>
             <a:endParaRPr lang="en-GB"/>
           </a:p>
@@ -793,6 +793,7 @@
           <a:p>
             <a:fld id="{D4F90B3F-187D-4E59-A311-3B2C189BDC53}" type="slidenum">
               <a:rPr lang="en-GB" smtClean="0"/>
+              <a:t>‹#›</a:t>
             </a:fld>
             <a:endParaRPr lang="en-GB"/>
           </a:p>
@@ -971,7 +972,6 @@
               <a:rPr lang="en-US"/>
               <a:t>Click to edit Master text styles</a:t>
             </a:r>
-            <a:endParaRPr lang="en-US"/>
           </a:p>
         </p:txBody>
       </p:sp>
@@ -992,6 +992,7 @@
           <a:p>
             <a:fld id="{9354F68C-8213-4CA4-84EB-EFCFBA0D9D02}" type="datetimeFigureOut">
               <a:rPr lang="en-GB" smtClean="0"/>
+              <a:t>28/06/2020</a:t>
             </a:fld>
             <a:endParaRPr lang="en-GB"/>
           </a:p>
@@ -1033,6 +1034,7 @@
           <a:p>
             <a:fld id="{D4F90B3F-187D-4E59-A311-3B2C189BDC53}" type="slidenum">
               <a:rPr lang="en-GB" smtClean="0"/>
+              <a:t>‹#›</a:t>
             </a:fld>
             <a:endParaRPr lang="en-GB"/>
           </a:p>
@@ -1111,7 +1113,6 @@
               <a:rPr lang="en-US"/>
               <a:t>Click to edit Master text styles</a:t>
             </a:r>
-            <a:endParaRPr lang="en-US"/>
           </a:p>
           <a:p>
             <a:pPr lvl="1"/>
@@ -1119,7 +1120,6 @@
               <a:rPr lang="en-US"/>
               <a:t>Second level</a:t>
             </a:r>
-            <a:endParaRPr lang="en-US"/>
           </a:p>
           <a:p>
             <a:pPr lvl="2"/>
@@ -1127,7 +1127,6 @@
               <a:rPr lang="en-US"/>
               <a:t>Third level</a:t>
             </a:r>
-            <a:endParaRPr lang="en-US"/>
           </a:p>
           <a:p>
             <a:pPr lvl="3"/>
@@ -1135,7 +1134,6 @@
               <a:rPr lang="en-US"/>
               <a:t>Fourth level</a:t>
             </a:r>
-            <a:endParaRPr lang="en-US"/>
           </a:p>
           <a:p>
             <a:pPr lvl="4"/>
@@ -1172,7 +1170,6 @@
               <a:rPr lang="en-US"/>
               <a:t>Click to edit Master text styles</a:t>
             </a:r>
-            <a:endParaRPr lang="en-US"/>
           </a:p>
           <a:p>
             <a:pPr lvl="1"/>
@@ -1180,7 +1177,6 @@
               <a:rPr lang="en-US"/>
               <a:t>Second level</a:t>
             </a:r>
-            <a:endParaRPr lang="en-US"/>
           </a:p>
           <a:p>
             <a:pPr lvl="2"/>
@@ -1188,7 +1184,6 @@
               <a:rPr lang="en-US"/>
               <a:t>Third level</a:t>
             </a:r>
-            <a:endParaRPr lang="en-US"/>
           </a:p>
           <a:p>
             <a:pPr lvl="3"/>
@@ -1196,7 +1191,6 @@
               <a:rPr lang="en-US"/>
               <a:t>Fourth level</a:t>
             </a:r>
-            <a:endParaRPr lang="en-US"/>
           </a:p>
           <a:p>
             <a:pPr lvl="4"/>
@@ -1225,6 +1219,7 @@
           <a:p>
             <a:fld id="{9354F68C-8213-4CA4-84EB-EFCFBA0D9D02}" type="datetimeFigureOut">
               <a:rPr lang="en-GB" smtClean="0"/>
+              <a:t>28/06/2020</a:t>
             </a:fld>
             <a:endParaRPr lang="en-GB"/>
           </a:p>
@@ -1266,6 +1261,7 @@
           <a:p>
             <a:fld id="{D4F90B3F-187D-4E59-A311-3B2C189BDC53}" type="slidenum">
               <a:rPr lang="en-GB" smtClean="0"/>
+              <a:t>‹#›</a:t>
             </a:fld>
             <a:endParaRPr lang="en-GB"/>
           </a:p>
@@ -1386,7 +1382,6 @@
               <a:rPr lang="en-US"/>
               <a:t>Click to edit Master text styles</a:t>
             </a:r>
-            <a:endParaRPr lang="en-US"/>
           </a:p>
         </p:txBody>
       </p:sp>
@@ -1415,7 +1410,6 @@
               <a:rPr lang="en-US"/>
               <a:t>Click to edit Master text styles</a:t>
             </a:r>
-            <a:endParaRPr lang="en-US"/>
           </a:p>
           <a:p>
             <a:pPr lvl="1"/>
@@ -1423,7 +1417,6 @@
               <a:rPr lang="en-US"/>
               <a:t>Second level</a:t>
             </a:r>
-            <a:endParaRPr lang="en-US"/>
           </a:p>
           <a:p>
             <a:pPr lvl="2"/>
@@ -1431,7 +1424,6 @@
               <a:rPr lang="en-US"/>
               <a:t>Third level</a:t>
             </a:r>
-            <a:endParaRPr lang="en-US"/>
           </a:p>
           <a:p>
             <a:pPr lvl="3"/>
@@ -1439,7 +1431,6 @@
               <a:rPr lang="en-US"/>
               <a:t>Fourth level</a:t>
             </a:r>
-            <a:endParaRPr lang="en-US"/>
           </a:p>
           <a:p>
             <a:pPr lvl="4"/>
@@ -1513,7 +1504,6 @@
               <a:rPr lang="en-US"/>
               <a:t>Click to edit Master text styles</a:t>
             </a:r>
-            <a:endParaRPr lang="en-US"/>
           </a:p>
         </p:txBody>
       </p:sp>
@@ -1542,7 +1532,6 @@
               <a:rPr lang="en-US"/>
               <a:t>Click to edit Master text styles</a:t>
             </a:r>
-            <a:endParaRPr lang="en-US"/>
           </a:p>
           <a:p>
             <a:pPr lvl="1"/>
@@ -1550,7 +1539,6 @@
               <a:rPr lang="en-US"/>
               <a:t>Second level</a:t>
             </a:r>
-            <a:endParaRPr lang="en-US"/>
           </a:p>
           <a:p>
             <a:pPr lvl="2"/>
@@ -1558,7 +1546,6 @@
               <a:rPr lang="en-US"/>
               <a:t>Third level</a:t>
             </a:r>
-            <a:endParaRPr lang="en-US"/>
           </a:p>
           <a:p>
             <a:pPr lvl="3"/>
@@ -1566,7 +1553,6 @@
               <a:rPr lang="en-US"/>
               <a:t>Fourth level</a:t>
             </a:r>
-            <a:endParaRPr lang="en-US"/>
           </a:p>
           <a:p>
             <a:pPr lvl="4"/>
@@ -1595,6 +1581,7 @@
           <a:p>
             <a:fld id="{9354F68C-8213-4CA4-84EB-EFCFBA0D9D02}" type="datetimeFigureOut">
               <a:rPr lang="en-GB" smtClean="0"/>
+              <a:t>28/06/2020</a:t>
             </a:fld>
             <a:endParaRPr lang="en-GB"/>
           </a:p>
@@ -1636,6 +1623,7 @@
           <a:p>
             <a:fld id="{D4F90B3F-187D-4E59-A311-3B2C189BDC53}" type="slidenum">
               <a:rPr lang="en-GB" smtClean="0"/>
+              <a:t>‹#›</a:t>
             </a:fld>
             <a:endParaRPr lang="en-GB"/>
           </a:p>
@@ -1706,6 +1694,7 @@
           <a:p>
             <a:fld id="{9354F68C-8213-4CA4-84EB-EFCFBA0D9D02}" type="datetimeFigureOut">
               <a:rPr lang="en-GB" smtClean="0"/>
+              <a:t>28/06/2020</a:t>
             </a:fld>
             <a:endParaRPr lang="en-GB"/>
           </a:p>
@@ -1747,6 +1736,7 @@
           <a:p>
             <a:fld id="{D4F90B3F-187D-4E59-A311-3B2C189BDC53}" type="slidenum">
               <a:rPr lang="en-GB" smtClean="0"/>
+              <a:t>‹#›</a:t>
             </a:fld>
             <a:endParaRPr lang="en-GB"/>
           </a:p>
@@ -1794,6 +1784,7 @@
           <a:p>
             <a:fld id="{9354F68C-8213-4CA4-84EB-EFCFBA0D9D02}" type="datetimeFigureOut">
               <a:rPr lang="en-GB" smtClean="0"/>
+              <a:t>28/06/2020</a:t>
             </a:fld>
             <a:endParaRPr lang="en-GB"/>
           </a:p>
@@ -1835,6 +1826,7 @@
           <a:p>
             <a:fld id="{D4F90B3F-187D-4E59-A311-3B2C189BDC53}" type="slidenum">
               <a:rPr lang="en-GB" smtClean="0"/>
+              <a:t>‹#›</a:t>
             </a:fld>
             <a:endParaRPr lang="en-GB"/>
           </a:p>
@@ -1950,7 +1942,6 @@
               <a:rPr lang="en-US"/>
               <a:t>Click to edit Master text styles</a:t>
             </a:r>
-            <a:endParaRPr lang="en-US"/>
           </a:p>
           <a:p>
             <a:pPr lvl="1"/>
@@ -1958,7 +1949,6 @@
               <a:rPr lang="en-US"/>
               <a:t>Second level</a:t>
             </a:r>
-            <a:endParaRPr lang="en-US"/>
           </a:p>
           <a:p>
             <a:pPr lvl="2"/>
@@ -1966,7 +1956,6 @@
               <a:rPr lang="en-US"/>
               <a:t>Third level</a:t>
             </a:r>
-            <a:endParaRPr lang="en-US"/>
           </a:p>
           <a:p>
             <a:pPr lvl="3"/>
@@ -1974,7 +1963,6 @@
               <a:rPr lang="en-US"/>
               <a:t>Fourth level</a:t>
             </a:r>
-            <a:endParaRPr lang="en-US"/>
           </a:p>
           <a:p>
             <a:pPr lvl="4"/>
@@ -2048,7 +2036,6 @@
               <a:rPr lang="en-US"/>
               <a:t>Click to edit Master text styles</a:t>
             </a:r>
-            <a:endParaRPr lang="en-US"/>
           </a:p>
         </p:txBody>
       </p:sp>
@@ -2069,6 +2056,7 @@
           <a:p>
             <a:fld id="{9354F68C-8213-4CA4-84EB-EFCFBA0D9D02}" type="datetimeFigureOut">
               <a:rPr lang="en-GB" smtClean="0"/>
+              <a:t>28/06/2020</a:t>
             </a:fld>
             <a:endParaRPr lang="en-GB"/>
           </a:p>
@@ -2110,6 +2098,7 @@
           <a:p>
             <a:fld id="{D4F90B3F-187D-4E59-A311-3B2C189BDC53}" type="slidenum">
               <a:rPr lang="en-GB" smtClean="0"/>
+              <a:t>‹#›</a:t>
             </a:fld>
             <a:endParaRPr lang="en-GB"/>
           </a:p>
@@ -2295,7 +2284,6 @@
               <a:rPr lang="en-US"/>
               <a:t>Click to edit Master text styles</a:t>
             </a:r>
-            <a:endParaRPr lang="en-US"/>
           </a:p>
         </p:txBody>
       </p:sp>
@@ -2316,6 +2304,7 @@
           <a:p>
             <a:fld id="{9354F68C-8213-4CA4-84EB-EFCFBA0D9D02}" type="datetimeFigureOut">
               <a:rPr lang="en-GB" smtClean="0"/>
+              <a:t>28/06/2020</a:t>
             </a:fld>
             <a:endParaRPr lang="en-GB"/>
           </a:p>
@@ -2357,6 +2346,7 @@
           <a:p>
             <a:fld id="{D4F90B3F-187D-4E59-A311-3B2C189BDC53}" type="slidenum">
               <a:rPr lang="en-GB" smtClean="0"/>
+              <a:t>‹#›</a:t>
             </a:fld>
             <a:endParaRPr lang="en-GB"/>
           </a:p>
@@ -2455,7 +2445,6 @@
               <a:rPr lang="en-US"/>
               <a:t>Click to edit Master text styles</a:t>
             </a:r>
-            <a:endParaRPr lang="en-US"/>
           </a:p>
           <a:p>
             <a:pPr lvl="1"/>
@@ -2463,7 +2452,6 @@
               <a:rPr lang="en-US"/>
               <a:t>Second level</a:t>
             </a:r>
-            <a:endParaRPr lang="en-US"/>
           </a:p>
           <a:p>
             <a:pPr lvl="2"/>
@@ -2471,7 +2459,6 @@
               <a:rPr lang="en-US"/>
               <a:t>Third level</a:t>
             </a:r>
-            <a:endParaRPr lang="en-US"/>
           </a:p>
           <a:p>
             <a:pPr lvl="3"/>
@@ -2479,7 +2466,6 @@
               <a:rPr lang="en-US"/>
               <a:t>Fourth level</a:t>
             </a:r>
-            <a:endParaRPr lang="en-US"/>
           </a:p>
           <a:p>
             <a:pPr lvl="4"/>
@@ -2526,6 +2512,7 @@
           <a:p>
             <a:fld id="{9354F68C-8213-4CA4-84EB-EFCFBA0D9D02}" type="datetimeFigureOut">
               <a:rPr lang="en-GB" smtClean="0"/>
+              <a:t>28/06/2020</a:t>
             </a:fld>
             <a:endParaRPr lang="en-GB"/>
           </a:p>
@@ -2603,6 +2590,7 @@
           <a:p>
             <a:fld id="{D4F90B3F-187D-4E59-A311-3B2C189BDC53}" type="slidenum">
               <a:rPr lang="en-GB" smtClean="0"/>
+              <a:t>‹#›</a:t>
             </a:fld>
             <a:endParaRPr lang="en-GB"/>
           </a:p>
@@ -2932,8 +2920,8 @@
         </p:nvSpPr>
         <p:spPr>
           <a:xfrm>
-            <a:off x="1026160" y="4505283"/>
-            <a:ext cx="4533900" cy="610750"/>
+            <a:off x="3381587" y="3830121"/>
+            <a:ext cx="2187363" cy="610750"/>
           </a:xfrm>
           <a:prstGeom prst="rect">
             <a:avLst/>
@@ -2962,7 +2950,6 @@
               <a:rPr lang="en-GB" dirty="0"/>
               <a:t>HAL </a:t>
             </a:r>
-            <a:endParaRPr lang="en-GB" dirty="0"/>
           </a:p>
           <a:p>
             <a:pPr algn="ctr"/>
@@ -2970,7 +2957,6 @@
               <a:rPr lang="en-GB" dirty="0"/>
               <a:t>( Level0, Level 1)</a:t>
             </a:r>
-            <a:endParaRPr lang="en-GB" dirty="0"/>
           </a:p>
         </p:txBody>
       </p:sp>
@@ -3010,9 +2996,8 @@
             <a:pPr algn="ctr"/>
             <a:r>
               <a:rPr lang="en-GB" dirty="0"/>
-              <a:t>Components</a:t>
-            </a:r>
-            <a:endParaRPr lang="en-GB" dirty="0"/>
+              <a:t>Component</a:t>
+            </a:r>
           </a:p>
         </p:txBody>
       </p:sp>
@@ -3112,7 +3097,6 @@
               <a:rPr lang="en-GB" dirty="0"/>
               <a:t>HAL </a:t>
             </a:r>
-            <a:endParaRPr lang="en-GB" dirty="0"/>
           </a:p>
         </p:txBody>
       </p:sp>
@@ -3152,9 +3136,8 @@
             <a:pPr algn="ctr"/>
             <a:r>
               <a:rPr lang="en-GB" dirty="0"/>
-              <a:t>APPLICATIONS</a:t>
-            </a:r>
-            <a:endParaRPr lang="en-GB" dirty="0"/>
+              <a:t>Application</a:t>
+            </a:r>
           </a:p>
         </p:txBody>
       </p:sp>
@@ -3194,7 +3177,7 @@
             <a:pPr algn="ctr"/>
             <a:r>
               <a:rPr lang="en-US" altLang="zh-CN" dirty="0" err="1"/>
-              <a:t>OSA_Services</a:t>
+              <a:t>OSA_Service</a:t>
             </a:r>
             <a:endParaRPr lang="en-US" altLang="zh-CN" dirty="0"/>
           </a:p>
@@ -3202,7 +3185,7 @@
             <a:pPr algn="ctr"/>
             <a:r>
               <a:rPr lang="en-US" dirty="0"/>
-              <a:t>(OS Aware Services)</a:t>
+              <a:t>(OS Aware Service)</a:t>
             </a:r>
             <a:endParaRPr lang="en-GB" dirty="0"/>
           </a:p>
@@ -3257,7 +3240,6 @@
               <a:rPr lang="en-US" altLang="en-GB" dirty="0"/>
               <a:t>Shell</a:t>
             </a:r>
-            <a:endParaRPr lang="en-US" altLang="en-GB" dirty="0"/>
           </a:p>
         </p:txBody>
       </p:sp>
@@ -3270,7 +3252,7 @@
         <p:spPr>
           <a:xfrm>
             <a:off x="1026160" y="3825577"/>
-            <a:ext cx="4533900" cy="610750"/>
+            <a:ext cx="2262505" cy="610750"/>
           </a:xfrm>
           <a:prstGeom prst="rect">
             <a:avLst/>
@@ -3299,7 +3281,6 @@
               <a:rPr lang="en-GB" dirty="0"/>
               <a:t>Service</a:t>
             </a:r>
-            <a:endParaRPr lang="en-GB" dirty="0"/>
           </a:p>
         </p:txBody>
       </p:sp>
@@ -3311,7 +3292,7 @@
         </p:nvSpPr>
         <p:spPr>
           <a:xfrm>
-            <a:off x="1026160" y="5181982"/>
+            <a:off x="1035050" y="4505282"/>
             <a:ext cx="4533900" cy="610750"/>
           </a:xfrm>
           <a:prstGeom prst="rect">
@@ -3341,7 +3322,6 @@
               <a:rPr lang="en-GB" dirty="0"/>
               <a:t>Utilities</a:t>
             </a:r>
-            <a:endParaRPr lang="en-GB" dirty="0"/>
           </a:p>
         </p:txBody>
       </p:sp>
@@ -3353,7 +3333,7 @@
         </p:nvSpPr>
         <p:spPr>
           <a:xfrm>
-            <a:off x="6002868" y="5164294"/>
+            <a:off x="6002868" y="4456647"/>
             <a:ext cx="5774266" cy="615553"/>
           </a:xfrm>
           <a:prstGeom prst="rect">
@@ -3375,7 +3355,7 @@
                 <a:latin typeface="幼圆" panose="02010509060101010101" pitchFamily="49" charset="-122"/>
                 <a:ea typeface="幼圆" panose="02010509060101010101" pitchFamily="49" charset="-122"/>
               </a:rPr>
-              <a:t>硬件无关的软件基础设施</a:t>
+              <a:t>编译器相关、或者硬件无关的软件基础设施</a:t>
             </a:r>
             <a:r>
               <a:rPr lang="zh-CN" altLang="en-US" sz="1200" dirty="0">
@@ -3490,7 +3470,7 @@
         </p:nvSpPr>
         <p:spPr>
           <a:xfrm>
-            <a:off x="6002868" y="3992452"/>
+            <a:off x="6002868" y="3853953"/>
             <a:ext cx="5774266" cy="276999"/>
           </a:xfrm>
           <a:prstGeom prst="rect">
@@ -3543,7 +3523,7 @@
         </p:nvSpPr>
         <p:spPr>
           <a:xfrm>
-            <a:off x="6002868" y="4672158"/>
+            <a:off x="6002868" y="4103672"/>
             <a:ext cx="5774266" cy="276999"/>
           </a:xfrm>
           <a:prstGeom prst="rect">
@@ -3849,7 +3829,7 @@
         </p:nvSpPr>
         <p:spPr>
           <a:xfrm>
-            <a:off x="6002868" y="1802407"/>
+            <a:off x="6002868" y="1740566"/>
             <a:ext cx="5774266" cy="276999"/>
           </a:xfrm>
           <a:prstGeom prst="rect">
@@ -3902,7 +3882,7 @@
         </p:nvSpPr>
         <p:spPr>
           <a:xfrm>
-            <a:off x="6002868" y="2079406"/>
+            <a:off x="6002868" y="1977716"/>
             <a:ext cx="5774266" cy="430887"/>
           </a:xfrm>
           <a:prstGeom prst="rect">
@@ -4215,6 +4195,146 @@
               <a:t>用户应用层</a:t>
             </a:r>
             <a:endParaRPr lang="en-GB" altLang="zh-CN" sz="1000" dirty="0">
+              <a:latin typeface="幼圆" panose="02010509060101010101" pitchFamily="49" charset="-122"/>
+              <a:ea typeface="幼圆" panose="02010509060101010101" pitchFamily="49" charset="-122"/>
+            </a:endParaRPr>
+          </a:p>
+        </p:txBody>
+      </p:sp>
+      <p:sp>
+        <p:nvSpPr>
+          <p:cNvPr id="26" name="TextBox 25">
+            <a:extLst>
+              <a:ext uri="{FF2B5EF4-FFF2-40B4-BE49-F238E27FC236}">
+                <a16:creationId xmlns:a16="http://schemas.microsoft.com/office/drawing/2014/main" id="{CC11207A-7762-4BD3-AE31-726A779D9F2C}"/>
+              </a:ext>
+            </a:extLst>
+          </p:cNvPr>
+          <p:cNvSpPr txBox="1"/>
+          <p:nvPr/>
+        </p:nvSpPr>
+        <p:spPr>
+          <a:xfrm>
+            <a:off x="1026159" y="5393216"/>
+            <a:ext cx="10674773" cy="415498"/>
+          </a:xfrm>
+          <a:prstGeom prst="rect">
+            <a:avLst/>
+          </a:prstGeom>
+          <a:noFill/>
+        </p:spPr>
+        <p:txBody>
+          <a:bodyPr wrap="square" rtlCol="0">
+            <a:spAutoFit/>
+          </a:bodyPr>
+          <a:lstStyle/>
+          <a:p>
+            <a:r>
+              <a:rPr lang="zh-CN" altLang="en-US" sz="1050" dirty="0">
+                <a:latin typeface="幼圆" panose="02010509060101010101" pitchFamily="49" charset="-122"/>
+                <a:ea typeface="幼圆" panose="02010509060101010101" pitchFamily="49" charset="-122"/>
+              </a:rPr>
+              <a:t>注意：虽然</a:t>
+            </a:r>
+            <a:r>
+              <a:rPr lang="en-GB" altLang="zh-CN" sz="1050" dirty="0">
+                <a:latin typeface="幼圆" panose="02010509060101010101" pitchFamily="49" charset="-122"/>
+                <a:ea typeface="幼圆" panose="02010509060101010101" pitchFamily="49" charset="-122"/>
+              </a:rPr>
+              <a:t>Service</a:t>
+            </a:r>
+            <a:r>
+              <a:rPr lang="zh-CN" altLang="en-US" sz="1050" dirty="0">
+                <a:latin typeface="幼圆" panose="02010509060101010101" pitchFamily="49" charset="-122"/>
+                <a:ea typeface="幼圆" panose="02010509060101010101" pitchFamily="49" charset="-122"/>
+              </a:rPr>
+              <a:t>和</a:t>
+            </a:r>
+            <a:r>
+              <a:rPr lang="en-GB" altLang="zh-CN" sz="1050" dirty="0">
+                <a:latin typeface="幼圆" panose="02010509060101010101" pitchFamily="49" charset="-122"/>
+                <a:ea typeface="幼圆" panose="02010509060101010101" pitchFamily="49" charset="-122"/>
+              </a:rPr>
+              <a:t>HAL</a:t>
+            </a:r>
+            <a:r>
+              <a:rPr lang="zh-CN" altLang="en-US" sz="1050" dirty="0">
+                <a:latin typeface="幼圆" panose="02010509060101010101" pitchFamily="49" charset="-122"/>
+                <a:ea typeface="幼圆" panose="02010509060101010101" pitchFamily="49" charset="-122"/>
+              </a:rPr>
+              <a:t>处于平级关系，但是由于</a:t>
+            </a:r>
+            <a:r>
+              <a:rPr lang="en-GB" altLang="zh-CN" sz="1050" dirty="0">
+                <a:latin typeface="幼圆" panose="02010509060101010101" pitchFamily="49" charset="-122"/>
+                <a:ea typeface="幼圆" panose="02010509060101010101" pitchFamily="49" charset="-122"/>
+              </a:rPr>
+              <a:t>Service</a:t>
+            </a:r>
+            <a:r>
+              <a:rPr lang="zh-CN" altLang="en-US" sz="1050" dirty="0">
+                <a:latin typeface="幼圆" panose="02010509060101010101" pitchFamily="49" charset="-122"/>
+                <a:ea typeface="幼圆" panose="02010509060101010101" pitchFamily="49" charset="-122"/>
+              </a:rPr>
+              <a:t>本身的定义要求硬件无关，因此</a:t>
+            </a:r>
+            <a:r>
+              <a:rPr lang="en-GB" altLang="zh-CN" sz="1050" dirty="0">
+                <a:latin typeface="幼圆" panose="02010509060101010101" pitchFamily="49" charset="-122"/>
+                <a:ea typeface="幼圆" panose="02010509060101010101" pitchFamily="49" charset="-122"/>
+              </a:rPr>
+              <a:t>Service</a:t>
+            </a:r>
+            <a:r>
+              <a:rPr lang="zh-CN" altLang="en-US" sz="1050" dirty="0">
+                <a:latin typeface="幼圆" panose="02010509060101010101" pitchFamily="49" charset="-122"/>
+                <a:ea typeface="幼圆" panose="02010509060101010101" pitchFamily="49" charset="-122"/>
+              </a:rPr>
+              <a:t>并不允许产生任何对</a:t>
+            </a:r>
+            <a:r>
+              <a:rPr lang="en-GB" altLang="zh-CN" sz="1050" dirty="0">
+                <a:latin typeface="幼圆" panose="02010509060101010101" pitchFamily="49" charset="-122"/>
+                <a:ea typeface="幼圆" panose="02010509060101010101" pitchFamily="49" charset="-122"/>
+              </a:rPr>
+              <a:t>HAL</a:t>
+            </a:r>
+            <a:r>
+              <a:rPr lang="zh-CN" altLang="en-US" sz="1050" dirty="0">
+                <a:latin typeface="幼圆" panose="02010509060101010101" pitchFamily="49" charset="-122"/>
+                <a:ea typeface="幼圆" panose="02010509060101010101" pitchFamily="49" charset="-122"/>
+              </a:rPr>
+              <a:t>的平级依赖。</a:t>
+            </a:r>
+            <a:r>
+              <a:rPr lang="en-GB" altLang="zh-CN" sz="1050" dirty="0">
+                <a:latin typeface="幼圆" panose="02010509060101010101" pitchFamily="49" charset="-122"/>
+                <a:ea typeface="幼圆" panose="02010509060101010101" pitchFamily="49" charset="-122"/>
+              </a:rPr>
+              <a:t>HAL</a:t>
+            </a:r>
+            <a:r>
+              <a:rPr lang="zh-CN" altLang="en-US" sz="1050" dirty="0">
+                <a:latin typeface="幼圆" panose="02010509060101010101" pitchFamily="49" charset="-122"/>
+                <a:ea typeface="幼圆" panose="02010509060101010101" pitchFamily="49" charset="-122"/>
+              </a:rPr>
+              <a:t>则可以根据平级调用原则使用和依赖</a:t>
+            </a:r>
+            <a:r>
+              <a:rPr lang="en-GB" altLang="zh-CN" sz="1050" dirty="0">
+                <a:latin typeface="幼圆" panose="02010509060101010101" pitchFamily="49" charset="-122"/>
+                <a:ea typeface="幼圆" panose="02010509060101010101" pitchFamily="49" charset="-122"/>
+              </a:rPr>
+              <a:t>Service</a:t>
+            </a:r>
+            <a:r>
+              <a:rPr lang="zh-CN" altLang="en-US" sz="1050" dirty="0">
+                <a:latin typeface="幼圆" panose="02010509060101010101" pitchFamily="49" charset="-122"/>
+                <a:ea typeface="幼圆" panose="02010509060101010101" pitchFamily="49" charset="-122"/>
+              </a:rPr>
+              <a:t>层中的各类模块和服务。</a:t>
+            </a:r>
+            <a:endParaRPr lang="en-GB" sz="1200" dirty="0">
               <a:latin typeface="幼圆" panose="02010509060101010101" pitchFamily="49" charset="-122"/>
               <a:ea typeface="幼圆" panose="02010509060101010101" pitchFamily="49" charset="-122"/>
             </a:endParaRPr>
@@ -4315,10 +4435,6 @@
               </a:rPr>
               <a:t>事件驱动微内核</a:t>
             </a:r>
-            <a:endParaRPr lang="zh-CN" altLang="en-GB" sz="2000" dirty="0">
-              <a:latin typeface="幼圆" panose="02010509060101010101" pitchFamily="49" charset="-122"/>
-              <a:ea typeface="幼圆" panose="02010509060101010101" pitchFamily="49" charset="-122"/>
-            </a:endParaRPr>
           </a:p>
           <a:p>
             <a:pPr lvl="1"/>
@@ -4328,6 +4444,37 @@
                 <a:ea typeface="幼圆" panose="02010509060101010101" pitchFamily="49" charset="-122"/>
               </a:rPr>
               <a:t>针对小资源硬件，任务不需要独立堆栈</a:t>
+            </a:r>
+          </a:p>
+          <a:p>
+            <a:pPr lvl="1"/>
+            <a:r>
+              <a:rPr lang="zh-CN" altLang="en-GB" sz="1710" dirty="0">
+                <a:latin typeface="幼圆" panose="02010509060101010101" pitchFamily="49" charset="-122"/>
+                <a:ea typeface="幼圆" panose="02010509060101010101" pitchFamily="49" charset="-122"/>
+              </a:rPr>
+              <a:t>标准</a:t>
+            </a:r>
+            <a:r>
+              <a:rPr lang="en-US" altLang="zh-CN" sz="1710" dirty="0">
+                <a:latin typeface="幼圆" panose="02010509060101010101" pitchFamily="49" charset="-122"/>
+                <a:ea typeface="幼圆" panose="02010509060101010101" pitchFamily="49" charset="-122"/>
+              </a:rPr>
+              <a:t>IPC</a:t>
+            </a:r>
+            <a:r>
+              <a:rPr lang="zh-CN" altLang="en-US" sz="1710" dirty="0">
+                <a:latin typeface="幼圆" panose="02010509060101010101" pitchFamily="49" charset="-122"/>
+                <a:ea typeface="幼圆" panose="02010509060101010101" pitchFamily="49" charset="-122"/>
+              </a:rPr>
+              <a:t>，中断里可以直接调用部分</a:t>
+            </a:r>
+            <a:r>
+              <a:rPr lang="en-US" altLang="zh-CN" sz="1710" dirty="0">
+                <a:latin typeface="幼圆" panose="02010509060101010101" pitchFamily="49" charset="-122"/>
+                <a:ea typeface="幼圆" panose="02010509060101010101" pitchFamily="49" charset="-122"/>
+              </a:rPr>
+              <a:t>IPC API</a:t>
             </a:r>
             <a:endParaRPr lang="zh-CN" altLang="en-GB" sz="1710" dirty="0">
               <a:latin typeface="幼圆" panose="02010509060101010101" pitchFamily="49" charset="-122"/>
@@ -4341,28 +4488,69 @@
                 <a:latin typeface="幼圆" panose="02010509060101010101" pitchFamily="49" charset="-122"/>
                 <a:ea typeface="幼圆" panose="02010509060101010101" pitchFamily="49" charset="-122"/>
               </a:rPr>
-              <a:t>标准</a:t>
+              <a:t>可扩展独立堆栈任务</a:t>
             </a:r>
             <a:r>
               <a:rPr lang="en-US" altLang="zh-CN" sz="1710" dirty="0">
                 <a:latin typeface="幼圆" panose="02010509060101010101" pitchFamily="49" charset="-122"/>
                 <a:ea typeface="幼圆" panose="02010509060101010101" pitchFamily="49" charset="-122"/>
               </a:rPr>
-              <a:t>IPC</a:t>
+              <a:t>(</a:t>
             </a:r>
             <a:r>
               <a:rPr lang="zh-CN" altLang="en-US" sz="1710" dirty="0">
                 <a:latin typeface="幼圆" panose="02010509060101010101" pitchFamily="49" charset="-122"/>
                 <a:ea typeface="幼圆" panose="02010509060101010101" pitchFamily="49" charset="-122"/>
               </a:rPr>
-              <a:t>，中断里可以直接调用部分</a:t>
+              <a:t>类似普通</a:t>
             </a:r>
             <a:r>
               <a:rPr lang="en-US" altLang="zh-CN" sz="1710" dirty="0">
                 <a:latin typeface="幼圆" panose="02010509060101010101" pitchFamily="49" charset="-122"/>
                 <a:ea typeface="幼圆" panose="02010509060101010101" pitchFamily="49" charset="-122"/>
               </a:rPr>
-              <a:t>IPC API</a:t>
+              <a:t>RTOS)</a:t>
+            </a:r>
+          </a:p>
+          <a:p>
+            <a:pPr lvl="1"/>
+            <a:r>
+              <a:rPr lang="zh-CN" altLang="en-GB" sz="1710" dirty="0">
+                <a:latin typeface="幼圆" panose="02010509060101010101" pitchFamily="49" charset="-122"/>
+                <a:ea typeface="幼圆" panose="02010509060101010101" pitchFamily="49" charset="-122"/>
+              </a:rPr>
+              <a:t>可扩展状态机框架(类似QP)</a:t>
+            </a:r>
+          </a:p>
+          <a:p>
+            <a:pPr lvl="1"/>
+            <a:r>
+              <a:rPr lang="zh-CN" altLang="en-GB" sz="1710" dirty="0">
+                <a:latin typeface="幼圆" panose="02010509060101010101" pitchFamily="49" charset="-122"/>
+                <a:ea typeface="幼圆" panose="02010509060101010101" pitchFamily="49" charset="-122"/>
+              </a:rPr>
+              <a:t>可以在其他</a:t>
+            </a:r>
+            <a:r>
+              <a:rPr lang="en-US" altLang="zh-CN" sz="1710" dirty="0">
+                <a:latin typeface="幼圆" panose="02010509060101010101" pitchFamily="49" charset="-122"/>
+                <a:ea typeface="幼圆" panose="02010509060101010101" pitchFamily="49" charset="-122"/>
+              </a:rPr>
+              <a:t>RTOS</a:t>
+            </a:r>
+            <a:r>
+              <a:rPr lang="zh-CN" altLang="en-US" sz="1710" dirty="0">
+                <a:latin typeface="幼圆" panose="02010509060101010101" pitchFamily="49" charset="-122"/>
+                <a:ea typeface="幼圆" panose="02010509060101010101" pitchFamily="49" charset="-122"/>
+              </a:rPr>
+              <a:t>或者框架里，使用</a:t>
+            </a:r>
+            <a:r>
+              <a:rPr lang="en-US" altLang="zh-CN" sz="1710" dirty="0">
+                <a:latin typeface="幼圆" panose="02010509060101010101" pitchFamily="49" charset="-122"/>
+                <a:ea typeface="幼圆" panose="02010509060101010101" pitchFamily="49" charset="-122"/>
+              </a:rPr>
+              <a:t>VSF</a:t>
             </a:r>
             <a:endParaRPr lang="zh-CN" altLang="en-GB" sz="1710" dirty="0">
               <a:latin typeface="幼圆" panose="02010509060101010101" pitchFamily="49" charset="-122"/>
@@ -4370,90 +4558,6 @@
             </a:endParaRPr>
           </a:p>
           <a:p>
-            <a:pPr lvl="1"/>
-            <a:r>
-              <a:rPr lang="zh-CN" altLang="en-GB" sz="1710" dirty="0">
-                <a:latin typeface="幼圆" panose="02010509060101010101" pitchFamily="49" charset="-122"/>
-                <a:ea typeface="幼圆" panose="02010509060101010101" pitchFamily="49" charset="-122"/>
-              </a:rPr>
-              <a:t>可扩展独立堆栈任务</a:t>
-            </a:r>
-            <a:r>
-              <a:rPr lang="en-US" altLang="zh-CN" sz="1710" dirty="0">
-                <a:latin typeface="幼圆" panose="02010509060101010101" pitchFamily="49" charset="-122"/>
-                <a:ea typeface="幼圆" panose="02010509060101010101" pitchFamily="49" charset="-122"/>
-              </a:rPr>
-              <a:t>(</a:t>
-            </a:r>
-            <a:r>
-              <a:rPr lang="zh-CN" altLang="en-US" sz="1710" dirty="0">
-                <a:latin typeface="幼圆" panose="02010509060101010101" pitchFamily="49" charset="-122"/>
-                <a:ea typeface="幼圆" panose="02010509060101010101" pitchFamily="49" charset="-122"/>
-              </a:rPr>
-              <a:t>类似普通</a:t>
-            </a:r>
-            <a:r>
-              <a:rPr lang="en-US" altLang="zh-CN" sz="1710" dirty="0">
-                <a:latin typeface="幼圆" panose="02010509060101010101" pitchFamily="49" charset="-122"/>
-                <a:ea typeface="幼圆" panose="02010509060101010101" pitchFamily="49" charset="-122"/>
-              </a:rPr>
-              <a:t>RTOS)</a:t>
-            </a:r>
-            <a:endParaRPr lang="en-US" altLang="zh-CN" sz="1710" dirty="0">
-              <a:latin typeface="幼圆" panose="02010509060101010101" pitchFamily="49" charset="-122"/>
-              <a:ea typeface="幼圆" panose="02010509060101010101" pitchFamily="49" charset="-122"/>
-            </a:endParaRPr>
-          </a:p>
-          <a:p>
-            <a:pPr lvl="1"/>
-            <a:r>
-              <a:rPr lang="zh-CN" altLang="en-GB" sz="1710" dirty="0">
-                <a:latin typeface="幼圆" panose="02010509060101010101" pitchFamily="49" charset="-122"/>
-                <a:ea typeface="幼圆" panose="02010509060101010101" pitchFamily="49" charset="-122"/>
-              </a:rPr>
-              <a:t>可扩展状态机框架(类似QP)</a:t>
-            </a:r>
-            <a:endParaRPr lang="zh-CN" altLang="en-GB" sz="1710" dirty="0">
-              <a:latin typeface="幼圆" panose="02010509060101010101" pitchFamily="49" charset="-122"/>
-              <a:ea typeface="幼圆" panose="02010509060101010101" pitchFamily="49" charset="-122"/>
-            </a:endParaRPr>
-          </a:p>
-          <a:p>
-            <a:pPr lvl="1"/>
-            <a:r>
-              <a:rPr lang="zh-CN" altLang="en-GB" sz="1710" dirty="0">
-                <a:latin typeface="幼圆" panose="02010509060101010101" pitchFamily="49" charset="-122"/>
-                <a:ea typeface="幼圆" panose="02010509060101010101" pitchFamily="49" charset="-122"/>
-              </a:rPr>
-              <a:t>可以在其他</a:t>
-            </a:r>
-            <a:r>
-              <a:rPr lang="en-US" altLang="zh-CN" sz="1710" dirty="0">
-                <a:latin typeface="幼圆" panose="02010509060101010101" pitchFamily="49" charset="-122"/>
-                <a:ea typeface="幼圆" panose="02010509060101010101" pitchFamily="49" charset="-122"/>
-              </a:rPr>
-              <a:t>RTOS</a:t>
-            </a:r>
-            <a:r>
-              <a:rPr lang="zh-CN" altLang="en-US" sz="1710" dirty="0">
-                <a:latin typeface="幼圆" panose="02010509060101010101" pitchFamily="49" charset="-122"/>
-                <a:ea typeface="幼圆" panose="02010509060101010101" pitchFamily="49" charset="-122"/>
-              </a:rPr>
-              <a:t>或者框架里，使用</a:t>
-            </a:r>
-            <a:r>
-              <a:rPr lang="en-US" altLang="zh-CN" sz="1710" dirty="0">
-                <a:latin typeface="幼圆" panose="02010509060101010101" pitchFamily="49" charset="-122"/>
-                <a:ea typeface="幼圆" panose="02010509060101010101" pitchFamily="49" charset="-122"/>
-              </a:rPr>
-              <a:t>VSF</a:t>
-            </a:r>
-            <a:endParaRPr lang="zh-CN" altLang="en-GB" sz="1710" dirty="0">
-              <a:latin typeface="幼圆" panose="02010509060101010101" pitchFamily="49" charset="-122"/>
-              <a:ea typeface="幼圆" panose="02010509060101010101" pitchFamily="49" charset="-122"/>
-            </a:endParaRPr>
-          </a:p>
-          <a:p>
             <a:endParaRPr lang="en-GB" sz="2000" dirty="0">
               <a:latin typeface="幼圆" panose="02010509060101010101" pitchFamily="49" charset="-122"/>
               <a:ea typeface="幼圆" panose="02010509060101010101" pitchFamily="49" charset="-122"/>
@@ -4484,10 +4588,6 @@
               </a:rPr>
               <a:t>VSF提供完整而丰富的协议栈支持：USB主从机、网络、蓝牙、文件系统等等</a:t>
             </a:r>
-            <a:endParaRPr lang="zh-CN" altLang="en-US" sz="1710" dirty="0">
-              <a:latin typeface="幼圆" panose="02010509060101010101" pitchFamily="49" charset="-122"/>
-              <a:ea typeface="幼圆" panose="02010509060101010101" pitchFamily="49" charset="-122"/>
-            </a:endParaRPr>
           </a:p>
           <a:p>
             <a:pPr lvl="1" algn="l">
@@ -4501,10 +4601,6 @@
               </a:rPr>
               <a:t>对移植第三方模块高度友好的开发环境</a:t>
             </a:r>
-            <a:endParaRPr lang="zh-CN" altLang="en-US" sz="1710" dirty="0">
-              <a:latin typeface="幼圆" panose="02010509060101010101" pitchFamily="49" charset="-122"/>
-              <a:ea typeface="幼圆" panose="02010509060101010101" pitchFamily="49" charset="-122"/>
-            </a:endParaRPr>
           </a:p>
           <a:p>
             <a:pPr lvl="2"/>
@@ -4567,10 +4663,6 @@
               </a:rPr>
               <a:t>通过“皮肤”对用户基于其他平台开发的历史应用代码提供支持</a:t>
             </a:r>
-            <a:endParaRPr lang="zh-CN" altLang="en-US" sz="1710" dirty="0">
-              <a:latin typeface="幼圆" panose="02010509060101010101" pitchFamily="49" charset="-122"/>
-              <a:ea typeface="幼圆" panose="02010509060101010101" pitchFamily="49" charset="-122"/>
-            </a:endParaRPr>
           </a:p>
           <a:p>
             <a:pPr lvl="2" algn="l">
@@ -4584,10 +4676,6 @@
               </a:rPr>
               <a:t>支持posix，可以直接编译一些linux的应用</a:t>
             </a:r>
-            <a:endParaRPr lang="en-US" altLang="zh-CN" sz="1500" dirty="0">
-              <a:latin typeface="幼圆" panose="02010509060101010101" pitchFamily="49" charset="-122"/>
-              <a:ea typeface="幼圆" panose="02010509060101010101" pitchFamily="49" charset="-122"/>
-            </a:endParaRPr>
           </a:p>
           <a:p>
             <a:pPr lvl="2" algn="l">
@@ -4601,10 +4689,6 @@
               </a:rPr>
               <a:t>支持SDL/SDL2</a:t>
             </a:r>
-            <a:endParaRPr lang="en-US" altLang="zh-CN" sz="1500" dirty="0">
-              <a:latin typeface="幼圆" panose="02010509060101010101" pitchFamily="49" charset="-122"/>
-              <a:ea typeface="幼圆" panose="02010509060101010101" pitchFamily="49" charset="-122"/>
-            </a:endParaRPr>
           </a:p>
           <a:p>
             <a:pPr lvl="2" algn="l">
@@ -4618,10 +4702,6 @@
               </a:rPr>
               <a:t>支持FreeRTOS等</a:t>
             </a:r>
-            <a:endParaRPr lang="en-US" altLang="zh-CN" sz="1500" dirty="0">
-              <a:latin typeface="幼圆" panose="02010509060101010101" pitchFamily="49" charset="-122"/>
-              <a:ea typeface="幼圆" panose="02010509060101010101" pitchFamily="49" charset="-122"/>
-            </a:endParaRPr>
           </a:p>
           <a:p>
             <a:pPr lvl="1" algn="l">
@@ -4635,10 +4715,6 @@
               </a:rPr>
               <a:t>应用层开发体验统一，多个模块支持声明式的开发方式，不需要了解太多细节</a:t>
             </a:r>
-            <a:endParaRPr lang="zh-CN" altLang="en-US" sz="1710" dirty="0">
-              <a:latin typeface="幼圆" panose="02010509060101010101" pitchFamily="49" charset="-122"/>
-              <a:ea typeface="幼圆" panose="02010509060101010101" pitchFamily="49" charset="-122"/>
-            </a:endParaRPr>
           </a:p>
           <a:p>
             <a:pPr lvl="1" algn="l">
@@ -4672,10 +4748,6 @@
               </a:rPr>
               <a:t>相同功能下，比其它主流RTOS更小——适合选取成本更低的芯片</a:t>
             </a:r>
-            <a:endParaRPr lang="zh-CN" altLang="en-US" sz="1710" dirty="0">
-              <a:latin typeface="幼圆" panose="02010509060101010101" pitchFamily="49" charset="-122"/>
-              <a:ea typeface="幼圆" panose="02010509060101010101" pitchFamily="49" charset="-122"/>
-            </a:endParaRPr>
           </a:p>
           <a:p>
             <a:pPr lvl="1"/>
@@ -5042,10 +5114,6 @@
               </a:rPr>
               <a:t>中的大部分模块和应用</a:t>
             </a:r>
-            <a:endParaRPr lang="zh-CN" altLang="en-US" sz="1710" dirty="0">
-              <a:latin typeface="幼圆" panose="02010509060101010101" pitchFamily="49" charset="-122"/>
-              <a:ea typeface="幼圆" panose="02010509060101010101" pitchFamily="49" charset="-122"/>
-            </a:endParaRPr>
           </a:p>
           <a:p>
             <a:pPr lvl="1" algn="l">
@@ -5132,10 +5200,6 @@
               </a:rPr>
               <a:t>里，提供其他平台的支持</a:t>
             </a:r>
-            <a:endParaRPr lang="zh-CN" altLang="en-US" sz="1710" dirty="0">
-              <a:latin typeface="幼圆" panose="02010509060101010101" pitchFamily="49" charset="-122"/>
-              <a:ea typeface="幼圆" panose="02010509060101010101" pitchFamily="49" charset="-122"/>
-            </a:endParaRPr>
           </a:p>
           <a:p>
             <a:pPr lvl="2" algn="l">
@@ -5222,10 +5286,6 @@
               </a:rPr>
               <a:t>生态</a:t>
             </a:r>
-            <a:endParaRPr lang="zh-CN" altLang="en-US" sz="1710" dirty="0">
-              <a:latin typeface="幼圆" panose="02010509060101010101" pitchFamily="49" charset="-122"/>
-              <a:ea typeface="幼圆" panose="02010509060101010101" pitchFamily="49" charset="-122"/>
-            </a:endParaRPr>
           </a:p>
           <a:p>
             <a:pPr lvl="1" algn="l">
@@ -5424,10 +5484,6 @@
               </a:rPr>
               <a:t>，应用代码一致，只是更换不同的芯片驱动</a:t>
             </a:r>
-            <a:endParaRPr lang="zh-CN" altLang="en-US" sz="1710" dirty="0">
-              <a:latin typeface="幼圆" panose="02010509060101010101" pitchFamily="49" charset="-122"/>
-              <a:ea typeface="幼圆" panose="02010509060101010101" pitchFamily="49" charset="-122"/>
-            </a:endParaRPr>
           </a:p>
           <a:p>
             <a:pPr lvl="1"/>
@@ -5438,10 +5494,6 @@
               </a:rPr>
               <a:t>完善的流接口，应用更具通用性</a:t>
             </a:r>
-            <a:endParaRPr lang="zh-CN" altLang="en-US" sz="1710" dirty="0">
-              <a:latin typeface="幼圆" panose="02010509060101010101" pitchFamily="49" charset="-122"/>
-              <a:ea typeface="幼圆" panose="02010509060101010101" pitchFamily="49" charset="-122"/>
-            </a:endParaRPr>
           </a:p>
           <a:p>
             <a:pPr lvl="1"/>
@@ -5452,10 +5504,6 @@
               </a:rPr>
               <a:t>第三方软件一次性移植</a:t>
             </a:r>
-            <a:endParaRPr lang="zh-CN" altLang="en-US" sz="1710" dirty="0">
-              <a:latin typeface="幼圆" panose="02010509060101010101" pitchFamily="49" charset="-122"/>
-              <a:ea typeface="幼圆" panose="02010509060101010101" pitchFamily="49" charset="-122"/>
-            </a:endParaRPr>
           </a:p>
           <a:p>
             <a:pPr lvl="1"/>
@@ -5538,10 +5586,6 @@
               </a:rPr>
               <a:t>的环境里编译</a:t>
             </a:r>
-            <a:endParaRPr lang="zh-CN" altLang="en-US" sz="1710" dirty="0">
-              <a:latin typeface="幼圆" panose="02010509060101010101" pitchFamily="49" charset="-122"/>
-              <a:ea typeface="幼圆" panose="02010509060101010101" pitchFamily="49" charset="-122"/>
-            </a:endParaRPr>
           </a:p>
           <a:p>
             <a:pPr lvl="1" algn="l">
@@ -5701,10 +5745,6 @@
               </a:rPr>
               <a:t>)</a:t>
             </a:r>
-            <a:endParaRPr lang="en-US" altLang="zh-CN" sz="1705" dirty="0">
-              <a:latin typeface="幼圆" panose="02010509060101010101" pitchFamily="49" charset="-122"/>
-              <a:ea typeface="幼圆" panose="02010509060101010101" pitchFamily="49" charset="-122"/>
-            </a:endParaRPr>
           </a:p>
           <a:p>
             <a:pPr lvl="2" algn="l">
@@ -5725,10 +5765,6 @@
               </a:rPr>
               <a:t>模拟文件系统驱动</a:t>
             </a:r>
-            <a:endParaRPr lang="zh-CN" altLang="en-US" sz="1705" dirty="0">
-              <a:latin typeface="幼圆" panose="02010509060101010101" pitchFamily="49" charset="-122"/>
-              <a:ea typeface="幼圆" panose="02010509060101010101" pitchFamily="49" charset="-122"/>
-            </a:endParaRPr>
           </a:p>
           <a:p>
             <a:pPr lvl="2" algn="l">
@@ -5749,10 +5785,6 @@
               </a:rPr>
               <a:t>模拟音频设备驱动</a:t>
             </a:r>
-            <a:endParaRPr lang="zh-CN" altLang="en-US" sz="1705" dirty="0">
-              <a:latin typeface="幼圆" panose="02010509060101010101" pitchFamily="49" charset="-122"/>
-              <a:ea typeface="幼圆" panose="02010509060101010101" pitchFamily="49" charset="-122"/>
-            </a:endParaRPr>
           </a:p>
           <a:p>
             <a:pPr lvl="2" algn="l">
@@ -5773,10 +5805,6 @@
               </a:rPr>
               <a:t>模拟屏幕驱动</a:t>
             </a:r>
-            <a:endParaRPr lang="zh-CN" altLang="en-US" sz="1705" dirty="0">
-              <a:latin typeface="幼圆" panose="02010509060101010101" pitchFamily="49" charset="-122"/>
-              <a:ea typeface="幼圆" panose="02010509060101010101" pitchFamily="49" charset="-122"/>
-            </a:endParaRPr>
           </a:p>
           <a:p>
             <a:pPr lvl="2" algn="l">
@@ -5790,10 +5818,6 @@
               </a:rPr>
               <a:t>虚拟网卡模拟网络设备驱动</a:t>
             </a:r>
-            <a:endParaRPr lang="zh-CN" altLang="en-US" sz="1705" dirty="0">
-              <a:latin typeface="幼圆" panose="02010509060101010101" pitchFamily="49" charset="-122"/>
-              <a:ea typeface="幼圆" panose="02010509060101010101" pitchFamily="49" charset="-122"/>
-            </a:endParaRPr>
           </a:p>
           <a:p>
             <a:pPr lvl="1" algn="l">
@@ -5813,10 +5837,6 @@
               </a:rPr>
               <a:t>快速芯片切换</a:t>
             </a:r>
-            <a:endParaRPr lang="zh-CN" sz="2000" dirty="0">
-              <a:latin typeface="幼圆" panose="02010509060101010101" pitchFamily="49" charset="-122"/>
-              <a:ea typeface="幼圆" panose="02010509060101010101" pitchFamily="49" charset="-122"/>
-            </a:endParaRPr>
           </a:p>
           <a:p>
             <a:pPr lvl="1"/>
@@ -6114,6 +6134,8 @@
       </a:bgFillStyleLst>
     </a:fmtScheme>
   </a:themeElements>
+  <a:objectDefaults/>
+  <a:extraClrSchemeLst/>
   <a:extLst>
     <a:ext uri="{05A4C25C-085E-4340-85A3-A5531E510DB2}">
       <thm15:themeFamily xmlns:thm15="http://schemas.microsoft.com/office/thememl/2012/main" name="Office Theme" id="{62F939B6-93AF-4DB8-9C6B-D6C7DFDC589F}" vid="{4A3C46E8-61CC-4603-A589-7422A47A8E4A}"/>

--- a/source/vsf/documents/vsf_brief.pptx
+++ b/source/vsf/documents/vsf_brief.pptx
@@ -5,10 +5,10 @@
     <p:sldMasterId id="2147483648" r:id="rId1"/>
   </p:sldMasterIdLst>
   <p:sldIdLst>
-    <p:sldId id="256" r:id="rId2"/>
-    <p:sldId id="268" r:id="rId3"/>
-    <p:sldId id="278" r:id="rId4"/>
-    <p:sldId id="279" r:id="rId5"/>
+    <p:sldId id="256" r:id="rId3"/>
+    <p:sldId id="268" r:id="rId4"/>
+    <p:sldId id="278" r:id="rId5"/>
+    <p:sldId id="279" r:id="rId6"/>
   </p:sldIdLst>
   <p:sldSz cx="12192000" cy="6858000"/>
   <p:notesSz cx="6858000" cy="9144000"/>
@@ -107,11 +107,6 @@
       </a:defRPr>
     </a:lvl9pPr>
   </p:defaultTextStyle>
-  <p:extLst>
-    <p:ext uri="{EFAFB233-063F-42B5-8137-9DF3F51BA10A}">
-      <p15:sldGuideLst xmlns:p15="http://schemas.microsoft.com/office/powerpoint/2012/main"/>
-    </p:ext>
-  </p:extLst>
 </p:presentation>
 </file>
 
@@ -246,7 +241,6 @@
           <a:p>
             <a:fld id="{9354F68C-8213-4CA4-84EB-EFCFBA0D9D02}" type="datetimeFigureOut">
               <a:rPr lang="en-GB" smtClean="0"/>
-              <a:t>28/06/2020</a:t>
             </a:fld>
             <a:endParaRPr lang="en-GB"/>
           </a:p>
@@ -288,7 +282,6 @@
           <a:p>
             <a:fld id="{D4F90B3F-187D-4E59-A311-3B2C189BDC53}" type="slidenum">
               <a:rPr lang="en-GB" smtClean="0"/>
-              <a:t>‹#›</a:t>
             </a:fld>
             <a:endParaRPr lang="en-GB"/>
           </a:p>
@@ -362,6 +355,7 @@
               <a:rPr lang="en-US"/>
               <a:t>Click to edit Master text styles</a:t>
             </a:r>
+            <a:endParaRPr lang="en-US"/>
           </a:p>
           <a:p>
             <a:pPr lvl="1"/>
@@ -369,6 +363,7 @@
               <a:rPr lang="en-US"/>
               <a:t>Second level</a:t>
             </a:r>
+            <a:endParaRPr lang="en-US"/>
           </a:p>
           <a:p>
             <a:pPr lvl="2"/>
@@ -376,6 +371,7 @@
               <a:rPr lang="en-US"/>
               <a:t>Third level</a:t>
             </a:r>
+            <a:endParaRPr lang="en-US"/>
           </a:p>
           <a:p>
             <a:pPr lvl="3"/>
@@ -383,6 +379,7 @@
               <a:rPr lang="en-US"/>
               <a:t>Fourth level</a:t>
             </a:r>
+            <a:endParaRPr lang="en-US"/>
           </a:p>
           <a:p>
             <a:pPr lvl="4"/>
@@ -411,7 +408,6 @@
           <a:p>
             <a:fld id="{9354F68C-8213-4CA4-84EB-EFCFBA0D9D02}" type="datetimeFigureOut">
               <a:rPr lang="en-GB" smtClean="0"/>
-              <a:t>28/06/2020</a:t>
             </a:fld>
             <a:endParaRPr lang="en-GB"/>
           </a:p>
@@ -453,7 +449,6 @@
           <a:p>
             <a:fld id="{D4F90B3F-187D-4E59-A311-3B2C189BDC53}" type="slidenum">
               <a:rPr lang="en-GB" smtClean="0"/>
-              <a:t>‹#›</a:t>
             </a:fld>
             <a:endParaRPr lang="en-GB"/>
           </a:p>
@@ -537,6 +532,7 @@
               <a:rPr lang="en-US"/>
               <a:t>Click to edit Master text styles</a:t>
             </a:r>
+            <a:endParaRPr lang="en-US"/>
           </a:p>
           <a:p>
             <a:pPr lvl="1"/>
@@ -544,6 +540,7 @@
               <a:rPr lang="en-US"/>
               <a:t>Second level</a:t>
             </a:r>
+            <a:endParaRPr lang="en-US"/>
           </a:p>
           <a:p>
             <a:pPr lvl="2"/>
@@ -551,6 +548,7 @@
               <a:rPr lang="en-US"/>
               <a:t>Third level</a:t>
             </a:r>
+            <a:endParaRPr lang="en-US"/>
           </a:p>
           <a:p>
             <a:pPr lvl="3"/>
@@ -558,6 +556,7 @@
               <a:rPr lang="en-US"/>
               <a:t>Fourth level</a:t>
             </a:r>
+            <a:endParaRPr lang="en-US"/>
           </a:p>
           <a:p>
             <a:pPr lvl="4"/>
@@ -586,7 +585,6 @@
           <a:p>
             <a:fld id="{9354F68C-8213-4CA4-84EB-EFCFBA0D9D02}" type="datetimeFigureOut">
               <a:rPr lang="en-GB" smtClean="0"/>
-              <a:t>28/06/2020</a:t>
             </a:fld>
             <a:endParaRPr lang="en-GB"/>
           </a:p>
@@ -628,7 +626,6 @@
           <a:p>
             <a:fld id="{D4F90B3F-187D-4E59-A311-3B2C189BDC53}" type="slidenum">
               <a:rPr lang="en-GB" smtClean="0"/>
-              <a:t>‹#›</a:t>
             </a:fld>
             <a:endParaRPr lang="en-GB"/>
           </a:p>
@@ -702,6 +699,7 @@
               <a:rPr lang="en-US"/>
               <a:t>Click to edit Master text styles</a:t>
             </a:r>
+            <a:endParaRPr lang="en-US"/>
           </a:p>
           <a:p>
             <a:pPr lvl="1"/>
@@ -709,6 +707,7 @@
               <a:rPr lang="en-US"/>
               <a:t>Second level</a:t>
             </a:r>
+            <a:endParaRPr lang="en-US"/>
           </a:p>
           <a:p>
             <a:pPr lvl="2"/>
@@ -716,6 +715,7 @@
               <a:rPr lang="en-US"/>
               <a:t>Third level</a:t>
             </a:r>
+            <a:endParaRPr lang="en-US"/>
           </a:p>
           <a:p>
             <a:pPr lvl="3"/>
@@ -723,6 +723,7 @@
               <a:rPr lang="en-US"/>
               <a:t>Fourth level</a:t>
             </a:r>
+            <a:endParaRPr lang="en-US"/>
           </a:p>
           <a:p>
             <a:pPr lvl="4"/>
@@ -751,7 +752,6 @@
           <a:p>
             <a:fld id="{9354F68C-8213-4CA4-84EB-EFCFBA0D9D02}" type="datetimeFigureOut">
               <a:rPr lang="en-GB" smtClean="0"/>
-              <a:t>28/06/2020</a:t>
             </a:fld>
             <a:endParaRPr lang="en-GB"/>
           </a:p>
@@ -793,7 +793,6 @@
           <a:p>
             <a:fld id="{D4F90B3F-187D-4E59-A311-3B2C189BDC53}" type="slidenum">
               <a:rPr lang="en-GB" smtClean="0"/>
-              <a:t>‹#›</a:t>
             </a:fld>
             <a:endParaRPr lang="en-GB"/>
           </a:p>
@@ -972,6 +971,7 @@
               <a:rPr lang="en-US"/>
               <a:t>Click to edit Master text styles</a:t>
             </a:r>
+            <a:endParaRPr lang="en-US"/>
           </a:p>
         </p:txBody>
       </p:sp>
@@ -992,7 +992,6 @@
           <a:p>
             <a:fld id="{9354F68C-8213-4CA4-84EB-EFCFBA0D9D02}" type="datetimeFigureOut">
               <a:rPr lang="en-GB" smtClean="0"/>
-              <a:t>28/06/2020</a:t>
             </a:fld>
             <a:endParaRPr lang="en-GB"/>
           </a:p>
@@ -1034,7 +1033,6 @@
           <a:p>
             <a:fld id="{D4F90B3F-187D-4E59-A311-3B2C189BDC53}" type="slidenum">
               <a:rPr lang="en-GB" smtClean="0"/>
-              <a:t>‹#›</a:t>
             </a:fld>
             <a:endParaRPr lang="en-GB"/>
           </a:p>
@@ -1113,6 +1111,7 @@
               <a:rPr lang="en-US"/>
               <a:t>Click to edit Master text styles</a:t>
             </a:r>
+            <a:endParaRPr lang="en-US"/>
           </a:p>
           <a:p>
             <a:pPr lvl="1"/>
@@ -1120,6 +1119,7 @@
               <a:rPr lang="en-US"/>
               <a:t>Second level</a:t>
             </a:r>
+            <a:endParaRPr lang="en-US"/>
           </a:p>
           <a:p>
             <a:pPr lvl="2"/>
@@ -1127,6 +1127,7 @@
               <a:rPr lang="en-US"/>
               <a:t>Third level</a:t>
             </a:r>
+            <a:endParaRPr lang="en-US"/>
           </a:p>
           <a:p>
             <a:pPr lvl="3"/>
@@ -1134,6 +1135,7 @@
               <a:rPr lang="en-US"/>
               <a:t>Fourth level</a:t>
             </a:r>
+            <a:endParaRPr lang="en-US"/>
           </a:p>
           <a:p>
             <a:pPr lvl="4"/>
@@ -1170,6 +1172,7 @@
               <a:rPr lang="en-US"/>
               <a:t>Click to edit Master text styles</a:t>
             </a:r>
+            <a:endParaRPr lang="en-US"/>
           </a:p>
           <a:p>
             <a:pPr lvl="1"/>
@@ -1177,6 +1180,7 @@
               <a:rPr lang="en-US"/>
               <a:t>Second level</a:t>
             </a:r>
+            <a:endParaRPr lang="en-US"/>
           </a:p>
           <a:p>
             <a:pPr lvl="2"/>
@@ -1184,6 +1188,7 @@
               <a:rPr lang="en-US"/>
               <a:t>Third level</a:t>
             </a:r>
+            <a:endParaRPr lang="en-US"/>
           </a:p>
           <a:p>
             <a:pPr lvl="3"/>
@@ -1191,6 +1196,7 @@
               <a:rPr lang="en-US"/>
               <a:t>Fourth level</a:t>
             </a:r>
+            <a:endParaRPr lang="en-US"/>
           </a:p>
           <a:p>
             <a:pPr lvl="4"/>
@@ -1219,7 +1225,6 @@
           <a:p>
             <a:fld id="{9354F68C-8213-4CA4-84EB-EFCFBA0D9D02}" type="datetimeFigureOut">
               <a:rPr lang="en-GB" smtClean="0"/>
-              <a:t>28/06/2020</a:t>
             </a:fld>
             <a:endParaRPr lang="en-GB"/>
           </a:p>
@@ -1261,7 +1266,6 @@
           <a:p>
             <a:fld id="{D4F90B3F-187D-4E59-A311-3B2C189BDC53}" type="slidenum">
               <a:rPr lang="en-GB" smtClean="0"/>
-              <a:t>‹#›</a:t>
             </a:fld>
             <a:endParaRPr lang="en-GB"/>
           </a:p>
@@ -1382,6 +1386,7 @@
               <a:rPr lang="en-US"/>
               <a:t>Click to edit Master text styles</a:t>
             </a:r>
+            <a:endParaRPr lang="en-US"/>
           </a:p>
         </p:txBody>
       </p:sp>
@@ -1410,6 +1415,7 @@
               <a:rPr lang="en-US"/>
               <a:t>Click to edit Master text styles</a:t>
             </a:r>
+            <a:endParaRPr lang="en-US"/>
           </a:p>
           <a:p>
             <a:pPr lvl="1"/>
@@ -1417,6 +1423,7 @@
               <a:rPr lang="en-US"/>
               <a:t>Second level</a:t>
             </a:r>
+            <a:endParaRPr lang="en-US"/>
           </a:p>
           <a:p>
             <a:pPr lvl="2"/>
@@ -1424,6 +1431,7 @@
               <a:rPr lang="en-US"/>
               <a:t>Third level</a:t>
             </a:r>
+            <a:endParaRPr lang="en-US"/>
           </a:p>
           <a:p>
             <a:pPr lvl="3"/>
@@ -1431,6 +1439,7 @@
               <a:rPr lang="en-US"/>
               <a:t>Fourth level</a:t>
             </a:r>
+            <a:endParaRPr lang="en-US"/>
           </a:p>
           <a:p>
             <a:pPr lvl="4"/>
@@ -1504,6 +1513,7 @@
               <a:rPr lang="en-US"/>
               <a:t>Click to edit Master text styles</a:t>
             </a:r>
+            <a:endParaRPr lang="en-US"/>
           </a:p>
         </p:txBody>
       </p:sp>
@@ -1532,6 +1542,7 @@
               <a:rPr lang="en-US"/>
               <a:t>Click to edit Master text styles</a:t>
             </a:r>
+            <a:endParaRPr lang="en-US"/>
           </a:p>
           <a:p>
             <a:pPr lvl="1"/>
@@ -1539,6 +1550,7 @@
               <a:rPr lang="en-US"/>
               <a:t>Second level</a:t>
             </a:r>
+            <a:endParaRPr lang="en-US"/>
           </a:p>
           <a:p>
             <a:pPr lvl="2"/>
@@ -1546,6 +1558,7 @@
               <a:rPr lang="en-US"/>
               <a:t>Third level</a:t>
             </a:r>
+            <a:endParaRPr lang="en-US"/>
           </a:p>
           <a:p>
             <a:pPr lvl="3"/>
@@ -1553,6 +1566,7 @@
               <a:rPr lang="en-US"/>
               <a:t>Fourth level</a:t>
             </a:r>
+            <a:endParaRPr lang="en-US"/>
           </a:p>
           <a:p>
             <a:pPr lvl="4"/>
@@ -1581,7 +1595,6 @@
           <a:p>
             <a:fld id="{9354F68C-8213-4CA4-84EB-EFCFBA0D9D02}" type="datetimeFigureOut">
               <a:rPr lang="en-GB" smtClean="0"/>
-              <a:t>28/06/2020</a:t>
             </a:fld>
             <a:endParaRPr lang="en-GB"/>
           </a:p>
@@ -1623,7 +1636,6 @@
           <a:p>
             <a:fld id="{D4F90B3F-187D-4E59-A311-3B2C189BDC53}" type="slidenum">
               <a:rPr lang="en-GB" smtClean="0"/>
-              <a:t>‹#›</a:t>
             </a:fld>
             <a:endParaRPr lang="en-GB"/>
           </a:p>
@@ -1694,7 +1706,6 @@
           <a:p>
             <a:fld id="{9354F68C-8213-4CA4-84EB-EFCFBA0D9D02}" type="datetimeFigureOut">
               <a:rPr lang="en-GB" smtClean="0"/>
-              <a:t>28/06/2020</a:t>
             </a:fld>
             <a:endParaRPr lang="en-GB"/>
           </a:p>
@@ -1736,7 +1747,6 @@
           <a:p>
             <a:fld id="{D4F90B3F-187D-4E59-A311-3B2C189BDC53}" type="slidenum">
               <a:rPr lang="en-GB" smtClean="0"/>
-              <a:t>‹#›</a:t>
             </a:fld>
             <a:endParaRPr lang="en-GB"/>
           </a:p>
@@ -1784,7 +1794,6 @@
           <a:p>
             <a:fld id="{9354F68C-8213-4CA4-84EB-EFCFBA0D9D02}" type="datetimeFigureOut">
               <a:rPr lang="en-GB" smtClean="0"/>
-              <a:t>28/06/2020</a:t>
             </a:fld>
             <a:endParaRPr lang="en-GB"/>
           </a:p>
@@ -1826,7 +1835,6 @@
           <a:p>
             <a:fld id="{D4F90B3F-187D-4E59-A311-3B2C189BDC53}" type="slidenum">
               <a:rPr lang="en-GB" smtClean="0"/>
-              <a:t>‹#›</a:t>
             </a:fld>
             <a:endParaRPr lang="en-GB"/>
           </a:p>
@@ -1942,6 +1950,7 @@
               <a:rPr lang="en-US"/>
               <a:t>Click to edit Master text styles</a:t>
             </a:r>
+            <a:endParaRPr lang="en-US"/>
           </a:p>
           <a:p>
             <a:pPr lvl="1"/>
@@ -1949,6 +1958,7 @@
               <a:rPr lang="en-US"/>
               <a:t>Second level</a:t>
             </a:r>
+            <a:endParaRPr lang="en-US"/>
           </a:p>
           <a:p>
             <a:pPr lvl="2"/>
@@ -1956,6 +1966,7 @@
               <a:rPr lang="en-US"/>
               <a:t>Third level</a:t>
             </a:r>
+            <a:endParaRPr lang="en-US"/>
           </a:p>
           <a:p>
             <a:pPr lvl="3"/>
@@ -1963,6 +1974,7 @@
               <a:rPr lang="en-US"/>
               <a:t>Fourth level</a:t>
             </a:r>
+            <a:endParaRPr lang="en-US"/>
           </a:p>
           <a:p>
             <a:pPr lvl="4"/>
@@ -2036,6 +2048,7 @@
               <a:rPr lang="en-US"/>
               <a:t>Click to edit Master text styles</a:t>
             </a:r>
+            <a:endParaRPr lang="en-US"/>
           </a:p>
         </p:txBody>
       </p:sp>
@@ -2056,7 +2069,6 @@
           <a:p>
             <a:fld id="{9354F68C-8213-4CA4-84EB-EFCFBA0D9D02}" type="datetimeFigureOut">
               <a:rPr lang="en-GB" smtClean="0"/>
-              <a:t>28/06/2020</a:t>
             </a:fld>
             <a:endParaRPr lang="en-GB"/>
           </a:p>
@@ -2098,7 +2110,6 @@
           <a:p>
             <a:fld id="{D4F90B3F-187D-4E59-A311-3B2C189BDC53}" type="slidenum">
               <a:rPr lang="en-GB" smtClean="0"/>
-              <a:t>‹#›</a:t>
             </a:fld>
             <a:endParaRPr lang="en-GB"/>
           </a:p>
@@ -2284,6 +2295,7 @@
               <a:rPr lang="en-US"/>
               <a:t>Click to edit Master text styles</a:t>
             </a:r>
+            <a:endParaRPr lang="en-US"/>
           </a:p>
         </p:txBody>
       </p:sp>
@@ -2304,7 +2316,6 @@
           <a:p>
             <a:fld id="{9354F68C-8213-4CA4-84EB-EFCFBA0D9D02}" type="datetimeFigureOut">
               <a:rPr lang="en-GB" smtClean="0"/>
-              <a:t>28/06/2020</a:t>
             </a:fld>
             <a:endParaRPr lang="en-GB"/>
           </a:p>
@@ -2346,7 +2357,6 @@
           <a:p>
             <a:fld id="{D4F90B3F-187D-4E59-A311-3B2C189BDC53}" type="slidenum">
               <a:rPr lang="en-GB" smtClean="0"/>
-              <a:t>‹#›</a:t>
             </a:fld>
             <a:endParaRPr lang="en-GB"/>
           </a:p>
@@ -2445,6 +2455,7 @@
               <a:rPr lang="en-US"/>
               <a:t>Click to edit Master text styles</a:t>
             </a:r>
+            <a:endParaRPr lang="en-US"/>
           </a:p>
           <a:p>
             <a:pPr lvl="1"/>
@@ -2452,6 +2463,7 @@
               <a:rPr lang="en-US"/>
               <a:t>Second level</a:t>
             </a:r>
+            <a:endParaRPr lang="en-US"/>
           </a:p>
           <a:p>
             <a:pPr lvl="2"/>
@@ -2459,6 +2471,7 @@
               <a:rPr lang="en-US"/>
               <a:t>Third level</a:t>
             </a:r>
+            <a:endParaRPr lang="en-US"/>
           </a:p>
           <a:p>
             <a:pPr lvl="3"/>
@@ -2466,6 +2479,7 @@
               <a:rPr lang="en-US"/>
               <a:t>Fourth level</a:t>
             </a:r>
+            <a:endParaRPr lang="en-US"/>
           </a:p>
           <a:p>
             <a:pPr lvl="4"/>
@@ -2512,7 +2526,6 @@
           <a:p>
             <a:fld id="{9354F68C-8213-4CA4-84EB-EFCFBA0D9D02}" type="datetimeFigureOut">
               <a:rPr lang="en-GB" smtClean="0"/>
-              <a:t>28/06/2020</a:t>
             </a:fld>
             <a:endParaRPr lang="en-GB"/>
           </a:p>
@@ -2590,7 +2603,6 @@
           <a:p>
             <a:fld id="{D4F90B3F-187D-4E59-A311-3B2C189BDC53}" type="slidenum">
               <a:rPr lang="en-GB" smtClean="0"/>
-              <a:t>‹#›</a:t>
             </a:fld>
             <a:endParaRPr lang="en-GB"/>
           </a:p>
@@ -2920,8 +2932,8 @@
         </p:nvSpPr>
         <p:spPr>
           <a:xfrm>
-            <a:off x="3381587" y="3830121"/>
-            <a:ext cx="2187363" cy="610750"/>
+            <a:off x="4670425" y="1774825"/>
+            <a:ext cx="898525" cy="3355340"/>
           </a:xfrm>
           <a:prstGeom prst="rect">
             <a:avLst/>
@@ -2948,15 +2960,9 @@
             <a:pPr algn="ctr"/>
             <a:r>
               <a:rPr lang="en-GB" dirty="0"/>
-              <a:t>HAL </a:t>
-            </a:r>
-          </a:p>
-          <a:p>
-            <a:pPr algn="ctr"/>
-            <a:r>
-              <a:rPr lang="en-GB" dirty="0"/>
-              <a:t>( Level0, Level 1)</a:t>
-            </a:r>
+              <a:t>HAL</a:t>
+            </a:r>
+            <a:endParaRPr lang="en-GB" dirty="0"/>
           </a:p>
         </p:txBody>
       </p:sp>
@@ -2968,8 +2974,8 @@
         </p:nvSpPr>
         <p:spPr>
           <a:xfrm>
-            <a:off x="3372697" y="1774238"/>
-            <a:ext cx="2187363" cy="634365"/>
+            <a:off x="1036955" y="1774190"/>
+            <a:ext cx="3564890" cy="634365"/>
           </a:xfrm>
           <a:prstGeom prst="rect">
             <a:avLst/>
@@ -2998,6 +3004,7 @@
               <a:rPr lang="en-GB" dirty="0"/>
               <a:t>Component</a:t>
             </a:r>
+            <a:endParaRPr lang="en-GB" dirty="0"/>
           </a:p>
         </p:txBody>
       </p:sp>
@@ -3009,8 +3016,8 @@
         </p:nvSpPr>
         <p:spPr>
           <a:xfrm>
-            <a:off x="1035050" y="3159526"/>
-            <a:ext cx="4533900" cy="610750"/>
+            <a:off x="1035050" y="3159760"/>
+            <a:ext cx="3566795" cy="610870"/>
           </a:xfrm>
           <a:prstGeom prst="rect">
             <a:avLst/>
@@ -3052,51 +3059,6 @@
               <a:t>）</a:t>
             </a:r>
             <a:endParaRPr lang="en-GB" dirty="0"/>
-          </a:p>
-        </p:txBody>
-      </p:sp>
-      <p:sp>
-        <p:nvSpPr>
-          <p:cNvPr id="14" name="Rectangle 13"/>
-          <p:cNvSpPr/>
-          <p:nvPr/>
-        </p:nvSpPr>
-        <p:spPr>
-          <a:xfrm>
-            <a:off x="1039495" y="1776937"/>
-            <a:ext cx="2262505" cy="634365"/>
-          </a:xfrm>
-          <a:prstGeom prst="rect">
-            <a:avLst/>
-          </a:prstGeom>
-        </p:spPr>
-        <p:style>
-          <a:lnRef idx="0">
-            <a:schemeClr val="accent5"/>
-          </a:lnRef>
-          <a:fillRef idx="3">
-            <a:schemeClr val="accent5"/>
-          </a:fillRef>
-          <a:effectRef idx="3">
-            <a:schemeClr val="accent5"/>
-          </a:effectRef>
-          <a:fontRef idx="minor">
-            <a:schemeClr val="lt1"/>
-          </a:fontRef>
-        </p:style>
-        <p:txBody>
-          <a:bodyPr rtlCol="0" anchor="ctr"/>
-          <a:lstStyle/>
-          <a:p>
-            <a:pPr algn="ctr"/>
-            <a:r>
-              <a:rPr lang="en-US" altLang="en-GB" dirty="0"/>
-              <a:t>OSA_</a:t>
-            </a:r>
-            <a:r>
-              <a:rPr lang="en-GB" dirty="0"/>
-              <a:t>HAL </a:t>
-            </a:r>
           </a:p>
         </p:txBody>
       </p:sp>
@@ -3138,6 +3100,7 @@
               <a:rPr lang="en-GB" dirty="0"/>
               <a:t>Application</a:t>
             </a:r>
+            <a:endParaRPr lang="en-GB" dirty="0"/>
           </a:p>
         </p:txBody>
       </p:sp>
@@ -3149,8 +3112,8 @@
         </p:nvSpPr>
         <p:spPr>
           <a:xfrm>
-            <a:off x="1035050" y="2473716"/>
-            <a:ext cx="4533900" cy="634234"/>
+            <a:off x="1035050" y="2473960"/>
+            <a:ext cx="3566795" cy="634365"/>
           </a:xfrm>
           <a:prstGeom prst="rect">
             <a:avLst/>
@@ -3240,6 +3203,7 @@
               <a:rPr lang="en-US" altLang="en-GB" dirty="0"/>
               <a:t>Shell</a:t>
             </a:r>
+            <a:endParaRPr lang="en-US" altLang="en-GB" dirty="0"/>
           </a:p>
         </p:txBody>
       </p:sp>
@@ -3251,8 +3215,8 @@
         </p:nvSpPr>
         <p:spPr>
           <a:xfrm>
-            <a:off x="1026160" y="3825577"/>
-            <a:ext cx="2262505" cy="610750"/>
+            <a:off x="1026160" y="3825875"/>
+            <a:ext cx="3576320" cy="610870"/>
           </a:xfrm>
           <a:prstGeom prst="rect">
             <a:avLst/>
@@ -3281,6 +3245,7 @@
               <a:rPr lang="en-GB" dirty="0"/>
               <a:t>Service</a:t>
             </a:r>
+            <a:endParaRPr lang="en-GB" dirty="0"/>
           </a:p>
         </p:txBody>
       </p:sp>
@@ -3292,7 +3257,7 @@
         </p:nvSpPr>
         <p:spPr>
           <a:xfrm>
-            <a:off x="1035050" y="4505282"/>
+            <a:off x="1036955" y="5198067"/>
             <a:ext cx="4533900" cy="610750"/>
           </a:xfrm>
           <a:prstGeom prst="rect">
@@ -3322,6 +3287,7 @@
               <a:rPr lang="en-GB" dirty="0"/>
               <a:t>Utilities</a:t>
             </a:r>
+            <a:endParaRPr lang="en-GB" dirty="0"/>
           </a:p>
         </p:txBody>
       </p:sp>
@@ -3333,7 +3299,7 @@
         </p:nvSpPr>
         <p:spPr>
           <a:xfrm>
-            <a:off x="6002868" y="4456647"/>
+            <a:off x="6002868" y="5198327"/>
             <a:ext cx="5774266" cy="615553"/>
           </a:xfrm>
           <a:prstGeom prst="rect">
@@ -3470,7 +3436,7 @@
         </p:nvSpPr>
         <p:spPr>
           <a:xfrm>
-            <a:off x="6002868" y="3853953"/>
+            <a:off x="6002868" y="3993018"/>
             <a:ext cx="5774266" cy="276999"/>
           </a:xfrm>
           <a:prstGeom prst="rect">
@@ -3517,13 +3483,266 @@
       </p:sp>
       <p:sp>
         <p:nvSpPr>
-          <p:cNvPr id="19" name="TextBox 18"/>
+          <p:cNvPr id="20" name="TextBox 19"/>
           <p:cNvSpPr txBox="1"/>
           <p:nvPr/>
         </p:nvSpPr>
         <p:spPr>
           <a:xfrm>
-            <a:off x="6002868" y="4103672"/>
+            <a:off x="6002868" y="3331775"/>
+            <a:ext cx="5774266" cy="438582"/>
+          </a:xfrm>
+          <a:prstGeom prst="rect">
+            <a:avLst/>
+          </a:prstGeom>
+          <a:noFill/>
+        </p:spPr>
+        <p:txBody>
+          <a:bodyPr wrap="square" rtlCol="0">
+            <a:spAutoFit/>
+          </a:bodyPr>
+          <a:lstStyle/>
+          <a:p>
+            <a:r>
+              <a:rPr lang="zh-CN" altLang="en-US" sz="1200" b="1" dirty="0">
+                <a:solidFill>
+                  <a:srgbClr val="00B050"/>
+                </a:solidFill>
+                <a:latin typeface="幼圆" panose="02010509060101010101" pitchFamily="49" charset="-122"/>
+                <a:ea typeface="幼圆" panose="02010509060101010101" pitchFamily="49" charset="-122"/>
+              </a:rPr>
+              <a:t>多任务内核</a:t>
+            </a:r>
+            <a:r>
+              <a:rPr lang="zh-CN" altLang="en-US" sz="1200" dirty="0">
+                <a:latin typeface="幼圆" panose="02010509060101010101" pitchFamily="49" charset="-122"/>
+                <a:ea typeface="幼圆" panose="02010509060101010101" pitchFamily="49" charset="-122"/>
+              </a:rPr>
+              <a:t>：</a:t>
+            </a:r>
+            <a:r>
+              <a:rPr lang="zh-CN" altLang="en-US" sz="1000" dirty="0">
+                <a:latin typeface="幼圆" panose="02010509060101010101" pitchFamily="49" charset="-122"/>
+                <a:ea typeface="幼圆" panose="02010509060101010101" pitchFamily="49" charset="-122"/>
+              </a:rPr>
+              <a:t>抢占式任务调度器，支持多种不同的任务形式，比如用于</a:t>
+            </a:r>
+            <a:r>
+              <a:rPr lang="en-GB" altLang="zh-CN" sz="1000" dirty="0">
+                <a:latin typeface="幼圆" panose="02010509060101010101" pitchFamily="49" charset="-122"/>
+                <a:ea typeface="幼圆" panose="02010509060101010101" pitchFamily="49" charset="-122"/>
+              </a:rPr>
+              <a:t>switch</a:t>
+            </a:r>
+            <a:r>
+              <a:rPr lang="zh-CN" altLang="en-US" sz="1000" dirty="0">
+                <a:latin typeface="幼圆" panose="02010509060101010101" pitchFamily="49" charset="-122"/>
+                <a:ea typeface="幼圆" panose="02010509060101010101" pitchFamily="49" charset="-122"/>
+              </a:rPr>
+              <a:t>状态机的</a:t>
+            </a:r>
+            <a:r>
+              <a:rPr lang="en-GB" altLang="zh-CN" sz="1000" dirty="0" err="1">
+                <a:latin typeface="幼圆" panose="02010509060101010101" pitchFamily="49" charset="-122"/>
+                <a:ea typeface="幼圆" panose="02010509060101010101" pitchFamily="49" charset="-122"/>
+              </a:rPr>
+              <a:t>vsf_task</a:t>
+            </a:r>
+            <a:r>
+              <a:rPr lang="zh-CN" altLang="en-US" sz="1000" dirty="0">
+                <a:latin typeface="幼圆" panose="02010509060101010101" pitchFamily="49" charset="-122"/>
+                <a:ea typeface="幼圆" panose="02010509060101010101" pitchFamily="49" charset="-122"/>
+              </a:rPr>
+              <a:t>、用于</a:t>
+            </a:r>
+            <a:r>
+              <a:rPr lang="en-GB" altLang="zh-CN" sz="1000" dirty="0" err="1">
+                <a:latin typeface="幼圆" panose="02010509060101010101" pitchFamily="49" charset="-122"/>
+                <a:ea typeface="幼圆" panose="02010509060101010101" pitchFamily="49" charset="-122"/>
+              </a:rPr>
+              <a:t>ProtoThread</a:t>
+            </a:r>
+            <a:r>
+              <a:rPr lang="zh-CN" altLang="en-US" sz="1000" dirty="0">
+                <a:latin typeface="幼圆" panose="02010509060101010101" pitchFamily="49" charset="-122"/>
+                <a:ea typeface="幼圆" panose="02010509060101010101" pitchFamily="49" charset="-122"/>
+              </a:rPr>
+              <a:t>的</a:t>
+            </a:r>
+            <a:r>
+              <a:rPr lang="en-GB" altLang="zh-CN" sz="1000" dirty="0" err="1">
+                <a:latin typeface="幼圆" panose="02010509060101010101" pitchFamily="49" charset="-122"/>
+                <a:ea typeface="幼圆" panose="02010509060101010101" pitchFamily="49" charset="-122"/>
+              </a:rPr>
+              <a:t>vsf_pt</a:t>
+            </a:r>
+            <a:r>
+              <a:rPr lang="zh-CN" altLang="en-US" sz="1000" dirty="0">
+                <a:latin typeface="幼圆" panose="02010509060101010101" pitchFamily="49" charset="-122"/>
+                <a:ea typeface="幼圆" panose="02010509060101010101" pitchFamily="49" charset="-122"/>
+              </a:rPr>
+              <a:t>、用于传统</a:t>
+            </a:r>
+            <a:r>
+              <a:rPr lang="en-GB" altLang="zh-CN" sz="1000" dirty="0">
+                <a:latin typeface="幼圆" panose="02010509060101010101" pitchFamily="49" charset="-122"/>
+                <a:ea typeface="幼圆" panose="02010509060101010101" pitchFamily="49" charset="-122"/>
+              </a:rPr>
+              <a:t>RTOS</a:t>
+            </a:r>
+            <a:r>
+              <a:rPr lang="zh-CN" altLang="en-US" sz="1000" dirty="0">
+                <a:latin typeface="幼圆" panose="02010509060101010101" pitchFamily="49" charset="-122"/>
+                <a:ea typeface="幼圆" panose="02010509060101010101" pitchFamily="49" charset="-122"/>
+              </a:rPr>
+              <a:t>的</a:t>
+            </a:r>
+            <a:r>
+              <a:rPr lang="en-GB" altLang="zh-CN" sz="1000" dirty="0">
+                <a:latin typeface="幼圆" panose="02010509060101010101" pitchFamily="49" charset="-122"/>
+                <a:ea typeface="幼圆" panose="02010509060101010101" pitchFamily="49" charset="-122"/>
+              </a:rPr>
+              <a:t>Thread</a:t>
+            </a:r>
+            <a:r>
+              <a:rPr lang="zh-CN" altLang="en-US" sz="1000" dirty="0">
+                <a:latin typeface="幼圆" panose="02010509060101010101" pitchFamily="49" charset="-122"/>
+                <a:ea typeface="幼圆" panose="02010509060101010101" pitchFamily="49" charset="-122"/>
+              </a:rPr>
+              <a:t>等等。可裁剪为合作式调度器。</a:t>
+            </a:r>
+            <a:endParaRPr lang="en-GB" sz="1200" dirty="0">
+              <a:latin typeface="幼圆" panose="02010509060101010101" pitchFamily="49" charset="-122"/>
+              <a:ea typeface="幼圆" panose="02010509060101010101" pitchFamily="49" charset="-122"/>
+            </a:endParaRPr>
+          </a:p>
+        </p:txBody>
+      </p:sp>
+      <p:sp>
+        <p:nvSpPr>
+          <p:cNvPr id="21" name="TextBox 20"/>
+          <p:cNvSpPr txBox="1"/>
+          <p:nvPr/>
+        </p:nvSpPr>
+        <p:spPr>
+          <a:xfrm>
+            <a:off x="6002868" y="2523282"/>
+            <a:ext cx="5774266" cy="584775"/>
+          </a:xfrm>
+          <a:prstGeom prst="rect">
+            <a:avLst/>
+          </a:prstGeom>
+          <a:noFill/>
+        </p:spPr>
+        <p:txBody>
+          <a:bodyPr wrap="square" rtlCol="0">
+            <a:spAutoFit/>
+          </a:bodyPr>
+          <a:lstStyle/>
+          <a:p>
+            <a:r>
+              <a:rPr lang="zh-CN" altLang="en-US" sz="1200" b="1" dirty="0">
+                <a:solidFill>
+                  <a:srgbClr val="00B050"/>
+                </a:solidFill>
+                <a:latin typeface="幼圆" panose="02010509060101010101" pitchFamily="49" charset="-122"/>
+                <a:ea typeface="幼圆" panose="02010509060101010101" pitchFamily="49" charset="-122"/>
+              </a:rPr>
+              <a:t>依赖内核的各类软件基础服务</a:t>
+            </a:r>
+            <a:r>
+              <a:rPr lang="zh-CN" altLang="en-US" sz="1200" dirty="0">
+                <a:latin typeface="幼圆" panose="02010509060101010101" pitchFamily="49" charset="-122"/>
+                <a:ea typeface="幼圆" panose="02010509060101010101" pitchFamily="49" charset="-122"/>
+              </a:rPr>
+              <a:t>：</a:t>
+            </a:r>
+            <a:r>
+              <a:rPr lang="zh-CN" altLang="en-US" sz="1000" dirty="0">
+                <a:latin typeface="幼圆" panose="02010509060101010101" pitchFamily="49" charset="-122"/>
+                <a:ea typeface="幼圆" panose="02010509060101010101" pitchFamily="49" charset="-122"/>
+              </a:rPr>
+              <a:t>当一个纯软件服务依赖了任何来自</a:t>
+            </a:r>
+            <a:r>
+              <a:rPr lang="en-GB" altLang="zh-CN" sz="1000" dirty="0">
+                <a:latin typeface="幼圆" panose="02010509060101010101" pitchFamily="49" charset="-122"/>
+                <a:ea typeface="幼圆" panose="02010509060101010101" pitchFamily="49" charset="-122"/>
+              </a:rPr>
+              <a:t>Kernel</a:t>
+            </a:r>
+            <a:r>
+              <a:rPr lang="zh-CN" altLang="en-US" sz="1000" dirty="0">
+                <a:latin typeface="幼圆" panose="02010509060101010101" pitchFamily="49" charset="-122"/>
+                <a:ea typeface="幼圆" panose="02010509060101010101" pitchFamily="49" charset="-122"/>
+              </a:rPr>
+              <a:t>的信息时，应该被放置在</a:t>
+            </a:r>
+            <a:r>
+              <a:rPr lang="en-GB" altLang="zh-CN" sz="1000" dirty="0">
+                <a:latin typeface="幼圆" panose="02010509060101010101" pitchFamily="49" charset="-122"/>
+                <a:ea typeface="幼圆" panose="02010509060101010101" pitchFamily="49" charset="-122"/>
+              </a:rPr>
+              <a:t>OSA</a:t>
+            </a:r>
+            <a:r>
+              <a:rPr lang="en-US" altLang="zh-CN" sz="1000" dirty="0">
+                <a:latin typeface="幼圆" panose="02010509060101010101" pitchFamily="49" charset="-122"/>
+                <a:ea typeface="幼圆" panose="02010509060101010101" pitchFamily="49" charset="-122"/>
+              </a:rPr>
+              <a:t>_Service</a:t>
+            </a:r>
+            <a:r>
+              <a:rPr lang="zh-CN" altLang="en-US" sz="1000" dirty="0">
+                <a:latin typeface="幼圆" panose="02010509060101010101" pitchFamily="49" charset="-122"/>
+                <a:ea typeface="幼圆" panose="02010509060101010101" pitchFamily="49" charset="-122"/>
+              </a:rPr>
+              <a:t>里，这里的依赖包括但不限于：依赖了某种任务形式、使用了任务间通信（</a:t>
+            </a:r>
+            <a:r>
+              <a:rPr lang="en-US" altLang="zh-CN" sz="1000" dirty="0">
+                <a:latin typeface="幼圆" panose="02010509060101010101" pitchFamily="49" charset="-122"/>
+                <a:ea typeface="幼圆" panose="02010509060101010101" pitchFamily="49" charset="-122"/>
+              </a:rPr>
+              <a:t>IPC</a:t>
+            </a:r>
+            <a:r>
+              <a:rPr lang="zh-CN" altLang="en-US" sz="1000" dirty="0">
+                <a:latin typeface="幼圆" panose="02010509060101010101" pitchFamily="49" charset="-122"/>
+                <a:ea typeface="幼圆" panose="02010509060101010101" pitchFamily="49" charset="-122"/>
+              </a:rPr>
+              <a:t>），使用了来自</a:t>
+            </a:r>
+            <a:r>
+              <a:rPr lang="en-GB" altLang="zh-CN" sz="1000" dirty="0">
+                <a:latin typeface="幼圆" panose="02010509060101010101" pitchFamily="49" charset="-122"/>
+                <a:ea typeface="幼圆" panose="02010509060101010101" pitchFamily="49" charset="-122"/>
+              </a:rPr>
+              <a:t>Kernel</a:t>
+            </a:r>
+            <a:r>
+              <a:rPr lang="zh-CN" altLang="en-US" sz="1000" dirty="0">
+                <a:latin typeface="幼圆" panose="02010509060101010101" pitchFamily="49" charset="-122"/>
+                <a:ea typeface="幼圆" panose="02010509060101010101" pitchFamily="49" charset="-122"/>
+              </a:rPr>
+              <a:t>的数据结构等等</a:t>
+            </a:r>
+            <a:endParaRPr lang="en-GB" sz="1200" dirty="0">
+              <a:latin typeface="幼圆" panose="02010509060101010101" pitchFamily="49" charset="-122"/>
+              <a:ea typeface="幼圆" panose="02010509060101010101" pitchFamily="49" charset="-122"/>
+            </a:endParaRPr>
+          </a:p>
+        </p:txBody>
+      </p:sp>
+      <p:sp>
+        <p:nvSpPr>
+          <p:cNvPr id="22" name="TextBox 21"/>
+          <p:cNvSpPr txBox="1"/>
+          <p:nvPr/>
+        </p:nvSpPr>
+        <p:spPr>
+          <a:xfrm>
+            <a:off x="6002868" y="2131726"/>
             <a:ext cx="5774266" cy="276999"/>
           </a:xfrm>
           <a:prstGeom prst="rect">
@@ -3545,7 +3764,7 @@
                 <a:latin typeface="幼圆" panose="02010509060101010101" pitchFamily="49" charset="-122"/>
                 <a:ea typeface="幼圆" panose="02010509060101010101" pitchFamily="49" charset="-122"/>
               </a:rPr>
-              <a:t>裸机硬件抽象层</a:t>
+              <a:t>组件</a:t>
             </a:r>
             <a:r>
               <a:rPr lang="zh-CN" altLang="en-US" sz="1200" dirty="0">
@@ -3555,29 +3774,29 @@
               <a:t>：</a:t>
             </a:r>
             <a:r>
-              <a:rPr lang="zh-CN" altLang="en-US" sz="1050" dirty="0">
-                <a:latin typeface="幼圆" panose="02010509060101010101" pitchFamily="49" charset="-122"/>
-                <a:ea typeface="幼圆" panose="02010509060101010101" pitchFamily="49" charset="-122"/>
-              </a:rPr>
-              <a:t>芯片的基础驱动</a:t>
-            </a:r>
-            <a:endParaRPr lang="en-GB" sz="1200" dirty="0">
-              <a:latin typeface="幼圆" panose="02010509060101010101" pitchFamily="49" charset="-122"/>
-              <a:ea typeface="幼圆" panose="02010509060101010101" pitchFamily="49" charset="-122"/>
-            </a:endParaRPr>
-          </a:p>
-        </p:txBody>
-      </p:sp>
-      <p:sp>
-        <p:nvSpPr>
-          <p:cNvPr id="20" name="TextBox 19"/>
+              <a:rPr lang="zh-CN" altLang="en-US" sz="1000" dirty="0">
+                <a:latin typeface="幼圆" panose="02010509060101010101" pitchFamily="49" charset="-122"/>
+                <a:ea typeface="幼圆" panose="02010509060101010101" pitchFamily="49" charset="-122"/>
+              </a:rPr>
+              <a:t>具有某一类完整功能的协议栈</a:t>
+            </a:r>
+            <a:endParaRPr lang="en-GB" altLang="zh-CN" sz="1000" dirty="0">
+              <a:latin typeface="幼圆" panose="02010509060101010101" pitchFamily="49" charset="-122"/>
+              <a:ea typeface="幼圆" panose="02010509060101010101" pitchFamily="49" charset="-122"/>
+            </a:endParaRPr>
+          </a:p>
+        </p:txBody>
+      </p:sp>
+      <p:sp>
+        <p:nvSpPr>
+          <p:cNvPr id="23" name="TextBox 22"/>
           <p:cNvSpPr txBox="1"/>
           <p:nvPr/>
         </p:nvSpPr>
         <p:spPr>
           <a:xfrm>
-            <a:off x="6002868" y="3290500"/>
-            <a:ext cx="5774266" cy="438582"/>
+            <a:off x="6002868" y="1624656"/>
+            <a:ext cx="5774266" cy="460375"/>
           </a:xfrm>
           <a:prstGeom prst="rect">
             <a:avLst/>
@@ -3598,357 +3817,44 @@
                 <a:latin typeface="幼圆" panose="02010509060101010101" pitchFamily="49" charset="-122"/>
                 <a:ea typeface="幼圆" panose="02010509060101010101" pitchFamily="49" charset="-122"/>
               </a:rPr>
-              <a:t>多任务内核</a:t>
+              <a:t>硬件抽象层</a:t>
             </a:r>
             <a:r>
               <a:rPr lang="zh-CN" altLang="en-US" sz="1200" dirty="0">
                 <a:latin typeface="幼圆" panose="02010509060101010101" pitchFamily="49" charset="-122"/>
                 <a:ea typeface="幼圆" panose="02010509060101010101" pitchFamily="49" charset="-122"/>
               </a:rPr>
-              <a:t>：</a:t>
-            </a:r>
-            <a:r>
-              <a:rPr lang="zh-CN" altLang="en-US" sz="1000" dirty="0">
-                <a:latin typeface="幼圆" panose="02010509060101010101" pitchFamily="49" charset="-122"/>
-                <a:ea typeface="幼圆" panose="02010509060101010101" pitchFamily="49" charset="-122"/>
-              </a:rPr>
-              <a:t>抢占式任务调度器，支持多种不同的任务形式，比如用于</a:t>
-            </a:r>
-            <a:r>
-              <a:rPr lang="en-GB" altLang="zh-CN" sz="1000" dirty="0">
-                <a:latin typeface="幼圆" panose="02010509060101010101" pitchFamily="49" charset="-122"/>
-                <a:ea typeface="幼圆" panose="02010509060101010101" pitchFamily="49" charset="-122"/>
-              </a:rPr>
-              <a:t>switch</a:t>
-            </a:r>
-            <a:r>
-              <a:rPr lang="zh-CN" altLang="en-US" sz="1000" dirty="0">
-                <a:latin typeface="幼圆" panose="02010509060101010101" pitchFamily="49" charset="-122"/>
-                <a:ea typeface="幼圆" panose="02010509060101010101" pitchFamily="49" charset="-122"/>
-              </a:rPr>
-              <a:t>状态机的</a:t>
-            </a:r>
-            <a:r>
-              <a:rPr lang="en-GB" altLang="zh-CN" sz="1000" dirty="0" err="1">
-                <a:latin typeface="幼圆" panose="02010509060101010101" pitchFamily="49" charset="-122"/>
-                <a:ea typeface="幼圆" panose="02010509060101010101" pitchFamily="49" charset="-122"/>
-              </a:rPr>
-              <a:t>vsf_task</a:t>
-            </a:r>
-            <a:r>
-              <a:rPr lang="zh-CN" altLang="en-US" sz="1000" dirty="0">
-                <a:latin typeface="幼圆" panose="02010509060101010101" pitchFamily="49" charset="-122"/>
-                <a:ea typeface="幼圆" panose="02010509060101010101" pitchFamily="49" charset="-122"/>
-              </a:rPr>
-              <a:t>、用于</a:t>
-            </a:r>
-            <a:r>
-              <a:rPr lang="en-GB" altLang="zh-CN" sz="1000" dirty="0" err="1">
-                <a:latin typeface="幼圆" panose="02010509060101010101" pitchFamily="49" charset="-122"/>
-                <a:ea typeface="幼圆" panose="02010509060101010101" pitchFamily="49" charset="-122"/>
-              </a:rPr>
-              <a:t>ProtoThread</a:t>
-            </a:r>
-            <a:r>
-              <a:rPr lang="zh-CN" altLang="en-US" sz="1000" dirty="0">
-                <a:latin typeface="幼圆" panose="02010509060101010101" pitchFamily="49" charset="-122"/>
-                <a:ea typeface="幼圆" panose="02010509060101010101" pitchFamily="49" charset="-122"/>
-              </a:rPr>
-              <a:t>的</a:t>
-            </a:r>
-            <a:r>
-              <a:rPr lang="en-GB" altLang="zh-CN" sz="1000" dirty="0" err="1">
-                <a:latin typeface="幼圆" panose="02010509060101010101" pitchFamily="49" charset="-122"/>
-                <a:ea typeface="幼圆" panose="02010509060101010101" pitchFamily="49" charset="-122"/>
-              </a:rPr>
-              <a:t>vsf_pt</a:t>
-            </a:r>
-            <a:r>
-              <a:rPr lang="zh-CN" altLang="en-US" sz="1000" dirty="0">
-                <a:latin typeface="幼圆" panose="02010509060101010101" pitchFamily="49" charset="-122"/>
-                <a:ea typeface="幼圆" panose="02010509060101010101" pitchFamily="49" charset="-122"/>
-              </a:rPr>
-              <a:t>、用于传统</a:t>
-            </a:r>
-            <a:r>
-              <a:rPr lang="en-GB" altLang="zh-CN" sz="1000" dirty="0">
-                <a:latin typeface="幼圆" panose="02010509060101010101" pitchFamily="49" charset="-122"/>
-                <a:ea typeface="幼圆" panose="02010509060101010101" pitchFamily="49" charset="-122"/>
-              </a:rPr>
-              <a:t>RTOS</a:t>
-            </a:r>
-            <a:r>
-              <a:rPr lang="zh-CN" altLang="en-US" sz="1000" dirty="0">
-                <a:latin typeface="幼圆" panose="02010509060101010101" pitchFamily="49" charset="-122"/>
-                <a:ea typeface="幼圆" panose="02010509060101010101" pitchFamily="49" charset="-122"/>
-              </a:rPr>
-              <a:t>的</a:t>
-            </a:r>
-            <a:r>
-              <a:rPr lang="en-GB" altLang="zh-CN" sz="1000" dirty="0">
-                <a:latin typeface="幼圆" panose="02010509060101010101" pitchFamily="49" charset="-122"/>
-                <a:ea typeface="幼圆" panose="02010509060101010101" pitchFamily="49" charset="-122"/>
-              </a:rPr>
-              <a:t>Thread</a:t>
-            </a:r>
-            <a:r>
-              <a:rPr lang="zh-CN" altLang="en-US" sz="1000" dirty="0">
-                <a:latin typeface="幼圆" panose="02010509060101010101" pitchFamily="49" charset="-122"/>
-                <a:ea typeface="幼圆" panose="02010509060101010101" pitchFamily="49" charset="-122"/>
-              </a:rPr>
-              <a:t>等等。可裁剪为合作式调度器。</a:t>
-            </a:r>
-            <a:endParaRPr lang="en-GB" sz="1200" dirty="0">
-              <a:latin typeface="幼圆" panose="02010509060101010101" pitchFamily="49" charset="-122"/>
-              <a:ea typeface="幼圆" panose="02010509060101010101" pitchFamily="49" charset="-122"/>
-            </a:endParaRPr>
-          </a:p>
-        </p:txBody>
-      </p:sp>
-      <p:sp>
-        <p:nvSpPr>
-          <p:cNvPr id="21" name="TextBox 20"/>
-          <p:cNvSpPr txBox="1"/>
-          <p:nvPr/>
-        </p:nvSpPr>
-        <p:spPr>
-          <a:xfrm>
-            <a:off x="6002868" y="2571542"/>
-            <a:ext cx="5774266" cy="584775"/>
-          </a:xfrm>
-          <a:prstGeom prst="rect">
-            <a:avLst/>
-          </a:prstGeom>
-          <a:noFill/>
-        </p:spPr>
-        <p:txBody>
-          <a:bodyPr wrap="square" rtlCol="0">
-            <a:spAutoFit/>
-          </a:bodyPr>
-          <a:lstStyle/>
-          <a:p>
-            <a:r>
-              <a:rPr lang="zh-CN" altLang="en-US" sz="1200" b="1" dirty="0">
-                <a:solidFill>
-                  <a:srgbClr val="00B050"/>
-                </a:solidFill>
-                <a:latin typeface="幼圆" panose="02010509060101010101" pitchFamily="49" charset="-122"/>
-                <a:ea typeface="幼圆" panose="02010509060101010101" pitchFamily="49" charset="-122"/>
-              </a:rPr>
-              <a:t>依赖内核的各类软件基础服务</a:t>
+              <a:t>：尽可能只依赖</a:t>
+            </a:r>
+            <a:r>
+              <a:rPr lang="en-US" altLang="zh-CN" sz="1200" dirty="0">
+                <a:latin typeface="幼圆" panose="02010509060101010101" pitchFamily="49" charset="-122"/>
+                <a:ea typeface="幼圆" panose="02010509060101010101" pitchFamily="49" charset="-122"/>
+              </a:rPr>
+              <a:t>Service</a:t>
             </a:r>
             <a:r>
               <a:rPr lang="zh-CN" altLang="en-US" sz="1200" dirty="0">
                 <a:latin typeface="幼圆" panose="02010509060101010101" pitchFamily="49" charset="-122"/>
                 <a:ea typeface="幼圆" panose="02010509060101010101" pitchFamily="49" charset="-122"/>
               </a:rPr>
-              <a:t>：</a:t>
-            </a:r>
-            <a:r>
-              <a:rPr lang="zh-CN" altLang="en-US" sz="1000" dirty="0">
-                <a:latin typeface="幼圆" panose="02010509060101010101" pitchFamily="49" charset="-122"/>
-                <a:ea typeface="幼圆" panose="02010509060101010101" pitchFamily="49" charset="-122"/>
-              </a:rPr>
-              <a:t>当一个纯软件服务依赖了任何来自</a:t>
-            </a:r>
-            <a:r>
-              <a:rPr lang="en-GB" altLang="zh-CN" sz="1000" dirty="0">
-                <a:latin typeface="幼圆" panose="02010509060101010101" pitchFamily="49" charset="-122"/>
-                <a:ea typeface="幼圆" panose="02010509060101010101" pitchFamily="49" charset="-122"/>
-              </a:rPr>
-              <a:t>Kernel</a:t>
-            </a:r>
-            <a:r>
-              <a:rPr lang="zh-CN" altLang="en-US" sz="1000" dirty="0">
-                <a:latin typeface="幼圆" panose="02010509060101010101" pitchFamily="49" charset="-122"/>
-                <a:ea typeface="幼圆" panose="02010509060101010101" pitchFamily="49" charset="-122"/>
-              </a:rPr>
-              <a:t>的信息时，应该被放置在</a:t>
-            </a:r>
-            <a:r>
-              <a:rPr lang="en-GB" altLang="zh-CN" sz="1000" dirty="0">
-                <a:latin typeface="幼圆" panose="02010509060101010101" pitchFamily="49" charset="-122"/>
-                <a:ea typeface="幼圆" panose="02010509060101010101" pitchFamily="49" charset="-122"/>
-              </a:rPr>
-              <a:t>OSA</a:t>
-            </a:r>
-            <a:r>
-              <a:rPr lang="en-US" altLang="zh-CN" sz="1000" dirty="0">
-                <a:latin typeface="幼圆" panose="02010509060101010101" pitchFamily="49" charset="-122"/>
-                <a:ea typeface="幼圆" panose="02010509060101010101" pitchFamily="49" charset="-122"/>
-              </a:rPr>
-              <a:t>_Service</a:t>
-            </a:r>
-            <a:r>
-              <a:rPr lang="zh-CN" altLang="en-US" sz="1000" dirty="0">
-                <a:latin typeface="幼圆" panose="02010509060101010101" pitchFamily="49" charset="-122"/>
-                <a:ea typeface="幼圆" panose="02010509060101010101" pitchFamily="49" charset="-122"/>
-              </a:rPr>
-              <a:t>里，这里的依赖包括但不限于：依赖了某种任务形式、使用了任务间通信（</a:t>
-            </a:r>
-            <a:r>
-              <a:rPr lang="en-US" altLang="zh-CN" sz="1000" dirty="0">
-                <a:latin typeface="幼圆" panose="02010509060101010101" pitchFamily="49" charset="-122"/>
-                <a:ea typeface="幼圆" panose="02010509060101010101" pitchFamily="49" charset="-122"/>
-              </a:rPr>
-              <a:t>IPC</a:t>
-            </a:r>
-            <a:r>
-              <a:rPr lang="zh-CN" altLang="en-US" sz="1000" dirty="0">
-                <a:latin typeface="幼圆" panose="02010509060101010101" pitchFamily="49" charset="-122"/>
-                <a:ea typeface="幼圆" panose="02010509060101010101" pitchFamily="49" charset="-122"/>
-              </a:rPr>
-              <a:t>），使用了来自</a:t>
-            </a:r>
-            <a:r>
-              <a:rPr lang="en-GB" altLang="zh-CN" sz="1000" dirty="0">
-                <a:latin typeface="幼圆" panose="02010509060101010101" pitchFamily="49" charset="-122"/>
-                <a:ea typeface="幼圆" panose="02010509060101010101" pitchFamily="49" charset="-122"/>
-              </a:rPr>
-              <a:t>Kernel</a:t>
-            </a:r>
-            <a:r>
-              <a:rPr lang="zh-CN" altLang="en-US" sz="1000" dirty="0">
-                <a:latin typeface="幼圆" panose="02010509060101010101" pitchFamily="49" charset="-122"/>
-                <a:ea typeface="幼圆" panose="02010509060101010101" pitchFamily="49" charset="-122"/>
-              </a:rPr>
-              <a:t>的数据结构等等</a:t>
-            </a:r>
-            <a:endParaRPr lang="en-GB" sz="1200" dirty="0">
-              <a:latin typeface="幼圆" panose="02010509060101010101" pitchFamily="49" charset="-122"/>
-              <a:ea typeface="幼圆" panose="02010509060101010101" pitchFamily="49" charset="-122"/>
-            </a:endParaRPr>
-          </a:p>
-        </p:txBody>
-      </p:sp>
-      <p:sp>
-        <p:nvSpPr>
-          <p:cNvPr id="22" name="TextBox 21"/>
-          <p:cNvSpPr txBox="1"/>
-          <p:nvPr/>
-        </p:nvSpPr>
-        <p:spPr>
-          <a:xfrm>
-            <a:off x="6002868" y="1740566"/>
-            <a:ext cx="5774266" cy="276999"/>
-          </a:xfrm>
-          <a:prstGeom prst="rect">
-            <a:avLst/>
-          </a:prstGeom>
-          <a:noFill/>
-        </p:spPr>
-        <p:txBody>
-          <a:bodyPr wrap="square" rtlCol="0">
-            <a:spAutoFit/>
-          </a:bodyPr>
-          <a:lstStyle/>
-          <a:p>
-            <a:r>
-              <a:rPr lang="zh-CN" altLang="en-US" sz="1200" b="1" dirty="0">
-                <a:solidFill>
-                  <a:srgbClr val="00B050"/>
-                </a:solidFill>
-                <a:latin typeface="幼圆" panose="02010509060101010101" pitchFamily="49" charset="-122"/>
-                <a:ea typeface="幼圆" panose="02010509060101010101" pitchFamily="49" charset="-122"/>
-              </a:rPr>
-              <a:t>组件</a:t>
+              <a:t>以及以下的模块。部分驱动，根据实际情况，可以依赖</a:t>
+            </a:r>
+            <a:r>
+              <a:rPr lang="en-US" altLang="zh-CN" sz="1200" dirty="0">
+                <a:latin typeface="幼圆" panose="02010509060101010101" pitchFamily="49" charset="-122"/>
+                <a:ea typeface="幼圆" panose="02010509060101010101" pitchFamily="49" charset="-122"/>
+              </a:rPr>
+              <a:t>Component</a:t>
             </a:r>
             <a:r>
               <a:rPr lang="zh-CN" altLang="en-US" sz="1200" dirty="0">
                 <a:latin typeface="幼圆" panose="02010509060101010101" pitchFamily="49" charset="-122"/>
                 <a:ea typeface="幼圆" panose="02010509060101010101" pitchFamily="49" charset="-122"/>
               </a:rPr>
-              <a:t>：</a:t>
-            </a:r>
-            <a:r>
-              <a:rPr lang="zh-CN" altLang="en-US" sz="1000" dirty="0">
-                <a:latin typeface="幼圆" panose="02010509060101010101" pitchFamily="49" charset="-122"/>
-                <a:ea typeface="幼圆" panose="02010509060101010101" pitchFamily="49" charset="-122"/>
-              </a:rPr>
-              <a:t>具有某一类完整功能的协议栈</a:t>
-            </a:r>
-            <a:endParaRPr lang="en-GB" altLang="zh-CN" sz="1000" dirty="0">
-              <a:latin typeface="幼圆" panose="02010509060101010101" pitchFamily="49" charset="-122"/>
-              <a:ea typeface="幼圆" panose="02010509060101010101" pitchFamily="49" charset="-122"/>
-            </a:endParaRPr>
-          </a:p>
-        </p:txBody>
-      </p:sp>
-      <p:sp>
-        <p:nvSpPr>
-          <p:cNvPr id="23" name="TextBox 22"/>
-          <p:cNvSpPr txBox="1"/>
-          <p:nvPr/>
-        </p:nvSpPr>
-        <p:spPr>
-          <a:xfrm>
-            <a:off x="6002868" y="1977716"/>
-            <a:ext cx="5774266" cy="430887"/>
-          </a:xfrm>
-          <a:prstGeom prst="rect">
-            <a:avLst/>
-          </a:prstGeom>
-          <a:noFill/>
-        </p:spPr>
-        <p:txBody>
-          <a:bodyPr wrap="square" rtlCol="0">
-            <a:spAutoFit/>
-          </a:bodyPr>
-          <a:lstStyle/>
-          <a:p>
-            <a:r>
-              <a:rPr lang="zh-CN" altLang="en-US" sz="1200" b="1" dirty="0">
-                <a:solidFill>
-                  <a:srgbClr val="00B050"/>
-                </a:solidFill>
-                <a:latin typeface="幼圆" panose="02010509060101010101" pitchFamily="49" charset="-122"/>
-                <a:ea typeface="幼圆" panose="02010509060101010101" pitchFamily="49" charset="-122"/>
-              </a:rPr>
-              <a:t>高级硬件抽象层</a:t>
-            </a:r>
-            <a:r>
-              <a:rPr lang="zh-CN" altLang="en-US" sz="1200" dirty="0">
-                <a:latin typeface="幼圆" panose="02010509060101010101" pitchFamily="49" charset="-122"/>
-                <a:ea typeface="幼圆" panose="02010509060101010101" pitchFamily="49" charset="-122"/>
-              </a:rPr>
-              <a:t>：</a:t>
-            </a:r>
-            <a:r>
-              <a:rPr lang="zh-CN" altLang="en-US" sz="1000" dirty="0">
-                <a:latin typeface="幼圆" panose="02010509060101010101" pitchFamily="49" charset="-122"/>
-                <a:ea typeface="幼圆" panose="02010509060101010101" pitchFamily="49" charset="-122"/>
-              </a:rPr>
-              <a:t>使用一切已有的方式来提供基于硬件平台的傻瓜式</a:t>
-            </a:r>
-            <a:r>
-              <a:rPr lang="en-GB" altLang="zh-CN" sz="1000" dirty="0">
-                <a:latin typeface="幼圆" panose="02010509060101010101" pitchFamily="49" charset="-122"/>
-                <a:ea typeface="幼圆" panose="02010509060101010101" pitchFamily="49" charset="-122"/>
-              </a:rPr>
-              <a:t>SDK</a:t>
-            </a:r>
-            <a:r>
-              <a:rPr lang="zh-CN" altLang="en-US" sz="1000" dirty="0">
-                <a:latin typeface="幼圆" panose="02010509060101010101" pitchFamily="49" charset="-122"/>
-                <a:ea typeface="幼圆" panose="02010509060101010101" pitchFamily="49" charset="-122"/>
-              </a:rPr>
-              <a:t>服务；或者是必然依赖高层服务的</a:t>
-            </a:r>
-            <a:r>
-              <a:rPr lang="en-GB" altLang="zh-CN" sz="1000" dirty="0">
-                <a:latin typeface="幼圆" panose="02010509060101010101" pitchFamily="49" charset="-122"/>
-                <a:ea typeface="幼圆" panose="02010509060101010101" pitchFamily="49" charset="-122"/>
-              </a:rPr>
-              <a:t>HAL</a:t>
-            </a:r>
-            <a:r>
-              <a:rPr lang="zh-CN" altLang="en-US" sz="1000" dirty="0">
-                <a:latin typeface="幼圆" panose="02010509060101010101" pitchFamily="49" charset="-122"/>
-                <a:ea typeface="幼圆" panose="02010509060101010101" pitchFamily="49" charset="-122"/>
-              </a:rPr>
-              <a:t>驱动。允许使用平级的组件。</a:t>
-            </a:r>
-            <a:endParaRPr lang="en-GB" altLang="zh-CN" sz="1000" dirty="0">
+              <a:t>及以下的模块。</a:t>
+            </a:r>
+            <a:endParaRPr lang="zh-CN" altLang="en-US" sz="1200" dirty="0">
               <a:latin typeface="幼圆" panose="02010509060101010101" pitchFamily="49" charset="-122"/>
               <a:ea typeface="幼圆" panose="02010509060101010101" pitchFamily="49" charset="-122"/>
             </a:endParaRPr>
@@ -3963,7 +3869,7 @@
         </p:nvSpPr>
         <p:spPr>
           <a:xfrm>
-            <a:off x="6002868" y="1156383"/>
+            <a:off x="6002868" y="1103678"/>
             <a:ext cx="5774266" cy="430887"/>
           </a:xfrm>
           <a:prstGeom prst="rect">
@@ -4203,19 +4109,13 @@
       </p:sp>
       <p:sp>
         <p:nvSpPr>
-          <p:cNvPr id="26" name="TextBox 25">
-            <a:extLst>
-              <a:ext uri="{FF2B5EF4-FFF2-40B4-BE49-F238E27FC236}">
-                <a16:creationId xmlns:a16="http://schemas.microsoft.com/office/drawing/2014/main" id="{CC11207A-7762-4BD3-AE31-726A779D9F2C}"/>
-              </a:ext>
-            </a:extLst>
-          </p:cNvPr>
+          <p:cNvPr id="26" name="TextBox 25"/>
           <p:cNvSpPr txBox="1"/>
           <p:nvPr/>
         </p:nvSpPr>
         <p:spPr>
           <a:xfrm>
-            <a:off x="1026159" y="5393216"/>
+            <a:off x="1026159" y="5988211"/>
             <a:ext cx="10674773" cy="415498"/>
           </a:xfrm>
           <a:prstGeom prst="rect">
@@ -4335,6 +4235,106 @@
               <a:t>层中的各类模块和服务。</a:t>
             </a:r>
             <a:endParaRPr lang="en-GB" sz="1200" dirty="0">
+              <a:latin typeface="幼圆" panose="02010509060101010101" pitchFamily="49" charset="-122"/>
+              <a:ea typeface="幼圆" panose="02010509060101010101" pitchFamily="49" charset="-122"/>
+            </a:endParaRPr>
+          </a:p>
+        </p:txBody>
+      </p:sp>
+      <p:sp>
+        <p:nvSpPr>
+          <p:cNvPr id="3" name="Rectangle 15"/>
+          <p:cNvSpPr/>
+          <p:nvPr/>
+        </p:nvSpPr>
+        <p:spPr>
+          <a:xfrm>
+            <a:off x="1025525" y="4518660"/>
+            <a:ext cx="3576320" cy="610870"/>
+          </a:xfrm>
+          <a:prstGeom prst="rect">
+            <a:avLst/>
+          </a:prstGeom>
+        </p:spPr>
+        <p:style>
+          <a:lnRef idx="0">
+            <a:schemeClr val="accent1"/>
+          </a:lnRef>
+          <a:fillRef idx="3">
+            <a:schemeClr val="accent1"/>
+          </a:fillRef>
+          <a:effectRef idx="3">
+            <a:schemeClr val="accent1"/>
+          </a:effectRef>
+          <a:fontRef idx="minor">
+            <a:schemeClr val="lt1"/>
+          </a:fontRef>
+        </p:style>
+        <p:txBody>
+          <a:bodyPr rtlCol="0" anchor="ctr"/>
+          <a:p>
+            <a:pPr algn="ctr"/>
+            <a:r>
+              <a:rPr lang="en-US" altLang="en-GB" dirty="0"/>
+              <a:t>Arch</a:t>
+            </a:r>
+            <a:endParaRPr lang="en-US" altLang="en-GB" dirty="0"/>
+          </a:p>
+        </p:txBody>
+      </p:sp>
+      <p:sp>
+        <p:nvSpPr>
+          <p:cNvPr id="6" name="TextBox 17"/>
+          <p:cNvSpPr txBox="1"/>
+          <p:nvPr/>
+        </p:nvSpPr>
+        <p:spPr>
+          <a:xfrm>
+            <a:off x="6002868" y="4686438"/>
+            <a:ext cx="5774266" cy="275590"/>
+          </a:xfrm>
+          <a:prstGeom prst="rect">
+            <a:avLst/>
+          </a:prstGeom>
+          <a:noFill/>
+        </p:spPr>
+        <p:txBody>
+          <a:bodyPr wrap="square" rtlCol="0">
+            <a:spAutoFit/>
+          </a:bodyPr>
+          <a:p>
+            <a:r>
+              <a:rPr lang="zh-CN" altLang="en-US" sz="1200" b="1" dirty="0">
+                <a:solidFill>
+                  <a:srgbClr val="00B050"/>
+                </a:solidFill>
+                <a:latin typeface="幼圆" panose="02010509060101010101" pitchFamily="49" charset="-122"/>
+                <a:ea typeface="幼圆" panose="02010509060101010101" pitchFamily="49" charset="-122"/>
+              </a:rPr>
+              <a:t>芯片架构驱动</a:t>
+            </a:r>
+            <a:r>
+              <a:rPr lang="zh-CN" altLang="en-US" sz="1200" dirty="0">
+                <a:latin typeface="幼圆" panose="02010509060101010101" pitchFamily="49" charset="-122"/>
+                <a:ea typeface="幼圆" panose="02010509060101010101" pitchFamily="49" charset="-122"/>
+              </a:rPr>
+              <a:t>：</a:t>
+            </a:r>
+            <a:r>
+              <a:rPr lang="en-US" altLang="zh-CN" sz="1200" dirty="0">
+                <a:latin typeface="幼圆" panose="02010509060101010101" pitchFamily="49" charset="-122"/>
+                <a:ea typeface="幼圆" panose="02010509060101010101" pitchFamily="49" charset="-122"/>
+              </a:rPr>
+              <a:t>kenel</a:t>
+            </a:r>
+            <a:r>
+              <a:rPr lang="zh-CN" altLang="en-US" sz="1200" dirty="0">
+                <a:latin typeface="幼圆" panose="02010509060101010101" pitchFamily="49" charset="-122"/>
+                <a:ea typeface="幼圆" panose="02010509060101010101" pitchFamily="49" charset="-122"/>
+              </a:rPr>
+              <a:t>移植、中断保护等芯片架构相关代码</a:t>
+            </a:r>
+            <a:endParaRPr lang="zh-CN" altLang="en-US" sz="1200" dirty="0">
               <a:latin typeface="幼圆" panose="02010509060101010101" pitchFamily="49" charset="-122"/>
               <a:ea typeface="幼圆" panose="02010509060101010101" pitchFamily="49" charset="-122"/>
             </a:endParaRPr>
@@ -4435,6 +4435,10 @@
               </a:rPr>
               <a:t>事件驱动微内核</a:t>
             </a:r>
+            <a:endParaRPr lang="zh-CN" altLang="en-GB" sz="2000" dirty="0">
+              <a:latin typeface="幼圆" panose="02010509060101010101" pitchFamily="49" charset="-122"/>
+              <a:ea typeface="幼圆" panose="02010509060101010101" pitchFamily="49" charset="-122"/>
+            </a:endParaRPr>
           </a:p>
           <a:p>
             <a:pPr lvl="1"/>
@@ -4445,6 +4449,10 @@
               </a:rPr>
               <a:t>针对小资源硬件，任务不需要独立堆栈</a:t>
             </a:r>
+            <a:endParaRPr lang="zh-CN" altLang="en-GB" sz="1710" dirty="0">
+              <a:latin typeface="幼圆" panose="02010509060101010101" pitchFamily="49" charset="-122"/>
+              <a:ea typeface="幼圆" panose="02010509060101010101" pitchFamily="49" charset="-122"/>
+            </a:endParaRPr>
           </a:p>
           <a:p>
             <a:pPr lvl="1"/>
@@ -4511,6 +4519,10 @@
               </a:rPr>
               <a:t>RTOS)</a:t>
             </a:r>
+            <a:endParaRPr lang="en-US" altLang="zh-CN" sz="1710" dirty="0">
+              <a:latin typeface="幼圆" panose="02010509060101010101" pitchFamily="49" charset="-122"/>
+              <a:ea typeface="幼圆" panose="02010509060101010101" pitchFamily="49" charset="-122"/>
+            </a:endParaRPr>
           </a:p>
           <a:p>
             <a:pPr lvl="1"/>
@@ -4521,6 +4533,10 @@
               </a:rPr>
               <a:t>可扩展状态机框架(类似QP)</a:t>
             </a:r>
+            <a:endParaRPr lang="zh-CN" altLang="en-GB" sz="1710" dirty="0">
+              <a:latin typeface="幼圆" panose="02010509060101010101" pitchFamily="49" charset="-122"/>
+              <a:ea typeface="幼圆" panose="02010509060101010101" pitchFamily="49" charset="-122"/>
+            </a:endParaRPr>
           </a:p>
           <a:p>
             <a:pPr lvl="1"/>
@@ -4588,6 +4604,10 @@
               </a:rPr>
               <a:t>VSF提供完整而丰富的协议栈支持：USB主从机、网络、蓝牙、文件系统等等</a:t>
             </a:r>
+            <a:endParaRPr lang="zh-CN" altLang="en-US" sz="1710" dirty="0">
+              <a:latin typeface="幼圆" panose="02010509060101010101" pitchFamily="49" charset="-122"/>
+              <a:ea typeface="幼圆" panose="02010509060101010101" pitchFamily="49" charset="-122"/>
+            </a:endParaRPr>
           </a:p>
           <a:p>
             <a:pPr lvl="1" algn="l">
@@ -4601,6 +4621,10 @@
               </a:rPr>
               <a:t>对移植第三方模块高度友好的开发环境</a:t>
             </a:r>
+            <a:endParaRPr lang="zh-CN" altLang="en-US" sz="1710" dirty="0">
+              <a:latin typeface="幼圆" panose="02010509060101010101" pitchFamily="49" charset="-122"/>
+              <a:ea typeface="幼圆" panose="02010509060101010101" pitchFamily="49" charset="-122"/>
+            </a:endParaRPr>
           </a:p>
           <a:p>
             <a:pPr lvl="2"/>
@@ -4663,6 +4687,10 @@
               </a:rPr>
               <a:t>通过“皮肤”对用户基于其他平台开发的历史应用代码提供支持</a:t>
             </a:r>
+            <a:endParaRPr lang="zh-CN" altLang="en-US" sz="1710" dirty="0">
+              <a:latin typeface="幼圆" panose="02010509060101010101" pitchFamily="49" charset="-122"/>
+              <a:ea typeface="幼圆" panose="02010509060101010101" pitchFamily="49" charset="-122"/>
+            </a:endParaRPr>
           </a:p>
           <a:p>
             <a:pPr lvl="2" algn="l">
@@ -4676,6 +4704,10 @@
               </a:rPr>
               <a:t>支持posix，可以直接编译一些linux的应用</a:t>
             </a:r>
+            <a:endParaRPr lang="en-US" altLang="zh-CN" sz="1500" dirty="0">
+              <a:latin typeface="幼圆" panose="02010509060101010101" pitchFamily="49" charset="-122"/>
+              <a:ea typeface="幼圆" panose="02010509060101010101" pitchFamily="49" charset="-122"/>
+            </a:endParaRPr>
           </a:p>
           <a:p>
             <a:pPr lvl="2" algn="l">
@@ -4689,6 +4721,10 @@
               </a:rPr>
               <a:t>支持SDL/SDL2</a:t>
             </a:r>
+            <a:endParaRPr lang="en-US" altLang="zh-CN" sz="1500" dirty="0">
+              <a:latin typeface="幼圆" panose="02010509060101010101" pitchFamily="49" charset="-122"/>
+              <a:ea typeface="幼圆" panose="02010509060101010101" pitchFamily="49" charset="-122"/>
+            </a:endParaRPr>
           </a:p>
           <a:p>
             <a:pPr lvl="2" algn="l">
@@ -4702,6 +4738,10 @@
               </a:rPr>
               <a:t>支持FreeRTOS等</a:t>
             </a:r>
+            <a:endParaRPr lang="en-US" altLang="zh-CN" sz="1500" dirty="0">
+              <a:latin typeface="幼圆" panose="02010509060101010101" pitchFamily="49" charset="-122"/>
+              <a:ea typeface="幼圆" panose="02010509060101010101" pitchFamily="49" charset="-122"/>
+            </a:endParaRPr>
           </a:p>
           <a:p>
             <a:pPr lvl="1" algn="l">
@@ -4715,6 +4755,10 @@
               </a:rPr>
               <a:t>应用层开发体验统一，多个模块支持声明式的开发方式，不需要了解太多细节</a:t>
             </a:r>
+            <a:endParaRPr lang="zh-CN" altLang="en-US" sz="1710" dirty="0">
+              <a:latin typeface="幼圆" panose="02010509060101010101" pitchFamily="49" charset="-122"/>
+              <a:ea typeface="幼圆" panose="02010509060101010101" pitchFamily="49" charset="-122"/>
+            </a:endParaRPr>
           </a:p>
           <a:p>
             <a:pPr lvl="1" algn="l">
@@ -4748,6 +4792,10 @@
               </a:rPr>
               <a:t>相同功能下，比其它主流RTOS更小——适合选取成本更低的芯片</a:t>
             </a:r>
+            <a:endParaRPr lang="zh-CN" altLang="en-US" sz="1710" dirty="0">
+              <a:latin typeface="幼圆" panose="02010509060101010101" pitchFamily="49" charset="-122"/>
+              <a:ea typeface="幼圆" panose="02010509060101010101" pitchFamily="49" charset="-122"/>
+            </a:endParaRPr>
           </a:p>
           <a:p>
             <a:pPr lvl="1"/>
@@ -5114,6 +5162,10 @@
               </a:rPr>
               <a:t>中的大部分模块和应用</a:t>
             </a:r>
+            <a:endParaRPr lang="zh-CN" altLang="en-US" sz="1710" dirty="0">
+              <a:latin typeface="幼圆" panose="02010509060101010101" pitchFamily="49" charset="-122"/>
+              <a:ea typeface="幼圆" panose="02010509060101010101" pitchFamily="49" charset="-122"/>
+            </a:endParaRPr>
           </a:p>
           <a:p>
             <a:pPr lvl="1" algn="l">
@@ -5200,6 +5252,10 @@
               </a:rPr>
               <a:t>里，提供其他平台的支持</a:t>
             </a:r>
+            <a:endParaRPr lang="zh-CN" altLang="en-US" sz="1710" dirty="0">
+              <a:latin typeface="幼圆" panose="02010509060101010101" pitchFamily="49" charset="-122"/>
+              <a:ea typeface="幼圆" panose="02010509060101010101" pitchFamily="49" charset="-122"/>
+            </a:endParaRPr>
           </a:p>
           <a:p>
             <a:pPr lvl="2" algn="l">
@@ -5286,6 +5342,10 @@
               </a:rPr>
               <a:t>生态</a:t>
             </a:r>
+            <a:endParaRPr lang="zh-CN" altLang="en-US" sz="1710" dirty="0">
+              <a:latin typeface="幼圆" panose="02010509060101010101" pitchFamily="49" charset="-122"/>
+              <a:ea typeface="幼圆" panose="02010509060101010101" pitchFamily="49" charset="-122"/>
+            </a:endParaRPr>
           </a:p>
           <a:p>
             <a:pPr lvl="1" algn="l">
@@ -5484,6 +5544,10 @@
               </a:rPr>
               <a:t>，应用代码一致，只是更换不同的芯片驱动</a:t>
             </a:r>
+            <a:endParaRPr lang="zh-CN" altLang="en-US" sz="1710" dirty="0">
+              <a:latin typeface="幼圆" panose="02010509060101010101" pitchFamily="49" charset="-122"/>
+              <a:ea typeface="幼圆" panose="02010509060101010101" pitchFamily="49" charset="-122"/>
+            </a:endParaRPr>
           </a:p>
           <a:p>
             <a:pPr lvl="1"/>
@@ -5494,6 +5558,10 @@
               </a:rPr>
               <a:t>完善的流接口，应用更具通用性</a:t>
             </a:r>
+            <a:endParaRPr lang="zh-CN" altLang="en-US" sz="1710" dirty="0">
+              <a:latin typeface="幼圆" panose="02010509060101010101" pitchFamily="49" charset="-122"/>
+              <a:ea typeface="幼圆" panose="02010509060101010101" pitchFamily="49" charset="-122"/>
+            </a:endParaRPr>
           </a:p>
           <a:p>
             <a:pPr lvl="1"/>
@@ -5504,6 +5572,10 @@
               </a:rPr>
               <a:t>第三方软件一次性移植</a:t>
             </a:r>
+            <a:endParaRPr lang="zh-CN" altLang="en-US" sz="1710" dirty="0">
+              <a:latin typeface="幼圆" panose="02010509060101010101" pitchFamily="49" charset="-122"/>
+              <a:ea typeface="幼圆" panose="02010509060101010101" pitchFamily="49" charset="-122"/>
+            </a:endParaRPr>
           </a:p>
           <a:p>
             <a:pPr lvl="1"/>
@@ -5586,6 +5658,10 @@
               </a:rPr>
               <a:t>的环境里编译</a:t>
             </a:r>
+            <a:endParaRPr lang="zh-CN" altLang="en-US" sz="1710" dirty="0">
+              <a:latin typeface="幼圆" panose="02010509060101010101" pitchFamily="49" charset="-122"/>
+              <a:ea typeface="幼圆" panose="02010509060101010101" pitchFamily="49" charset="-122"/>
+            </a:endParaRPr>
           </a:p>
           <a:p>
             <a:pPr lvl="1" algn="l">
@@ -5745,6 +5821,10 @@
               </a:rPr>
               <a:t>)</a:t>
             </a:r>
+            <a:endParaRPr lang="en-US" altLang="zh-CN" sz="1705" dirty="0">
+              <a:latin typeface="幼圆" panose="02010509060101010101" pitchFamily="49" charset="-122"/>
+              <a:ea typeface="幼圆" panose="02010509060101010101" pitchFamily="49" charset="-122"/>
+            </a:endParaRPr>
           </a:p>
           <a:p>
             <a:pPr lvl="2" algn="l">
@@ -5765,6 +5845,10 @@
               </a:rPr>
               <a:t>模拟文件系统驱动</a:t>
             </a:r>
+            <a:endParaRPr lang="zh-CN" altLang="en-US" sz="1705" dirty="0">
+              <a:latin typeface="幼圆" panose="02010509060101010101" pitchFamily="49" charset="-122"/>
+              <a:ea typeface="幼圆" panose="02010509060101010101" pitchFamily="49" charset="-122"/>
+            </a:endParaRPr>
           </a:p>
           <a:p>
             <a:pPr lvl="2" algn="l">
@@ -5785,6 +5869,10 @@
               </a:rPr>
               <a:t>模拟音频设备驱动</a:t>
             </a:r>
+            <a:endParaRPr lang="zh-CN" altLang="en-US" sz="1705" dirty="0">
+              <a:latin typeface="幼圆" panose="02010509060101010101" pitchFamily="49" charset="-122"/>
+              <a:ea typeface="幼圆" panose="02010509060101010101" pitchFamily="49" charset="-122"/>
+            </a:endParaRPr>
           </a:p>
           <a:p>
             <a:pPr lvl="2" algn="l">
@@ -5805,6 +5893,10 @@
               </a:rPr>
               <a:t>模拟屏幕驱动</a:t>
             </a:r>
+            <a:endParaRPr lang="zh-CN" altLang="en-US" sz="1705" dirty="0">
+              <a:latin typeface="幼圆" panose="02010509060101010101" pitchFamily="49" charset="-122"/>
+              <a:ea typeface="幼圆" panose="02010509060101010101" pitchFamily="49" charset="-122"/>
+            </a:endParaRPr>
           </a:p>
           <a:p>
             <a:pPr lvl="2" algn="l">
@@ -5818,6 +5910,10 @@
               </a:rPr>
               <a:t>虚拟网卡模拟网络设备驱动</a:t>
             </a:r>
+            <a:endParaRPr lang="zh-CN" altLang="en-US" sz="1705" dirty="0">
+              <a:latin typeface="幼圆" panose="02010509060101010101" pitchFamily="49" charset="-122"/>
+              <a:ea typeface="幼圆" panose="02010509060101010101" pitchFamily="49" charset="-122"/>
+            </a:endParaRPr>
           </a:p>
           <a:p>
             <a:pPr lvl="1" algn="l">
@@ -5837,6 +5933,10 @@
               </a:rPr>
               <a:t>快速芯片切换</a:t>
             </a:r>
+            <a:endParaRPr lang="zh-CN" sz="2000" dirty="0">
+              <a:latin typeface="幼圆" panose="02010509060101010101" pitchFamily="49" charset="-122"/>
+              <a:ea typeface="幼圆" panose="02010509060101010101" pitchFamily="49" charset="-122"/>
+            </a:endParaRPr>
           </a:p>
           <a:p>
             <a:pPr lvl="1"/>
@@ -6134,8 +6234,6 @@
       </a:bgFillStyleLst>
     </a:fmtScheme>
   </a:themeElements>
-  <a:objectDefaults/>
-  <a:extraClrSchemeLst/>
   <a:extLst>
     <a:ext uri="{05A4C25C-085E-4340-85A3-A5531E510DB2}">
       <thm15:themeFamily xmlns:thm15="http://schemas.microsoft.com/office/thememl/2012/main" name="Office Theme" id="{62F939B6-93AF-4DB8-9C6B-D6C7DFDC589F}" vid="{4A3C46E8-61CC-4603-A589-7422A47A8E4A}"/>

--- a/source/vsf/documents/vsf_brief.pptx
+++ b/source/vsf/documents/vsf_brief.pptx
@@ -5491,7 +5491,7 @@
         </p:spPr>
         <p:txBody>
           <a:bodyPr>
-            <a:normAutofit fontScale="92500" lnSpcReduction="10000"/>
+            <a:normAutofit fontScale="92500" lnSpcReduction="20000"/>
           </a:bodyPr>
           <a:lstStyle/>
           <a:p>
@@ -5904,11 +5904,91 @@
               <a:buSzTx/>
             </a:pPr>
             <a:r>
+              <a:rPr lang="en-US" altLang="zh-CN" sz="1705" dirty="0">
+                <a:latin typeface="幼圆" panose="02010509060101010101" pitchFamily="49" charset="-122"/>
+                <a:ea typeface="幼圆" panose="02010509060101010101" pitchFamily="49" charset="-122"/>
+              </a:rPr>
+              <a:t>winpcap(npcap)</a:t>
+            </a:r>
+            <a:r>
               <a:rPr lang="zh-CN" altLang="en-US" sz="1705" dirty="0">
                 <a:latin typeface="幼圆" panose="02010509060101010101" pitchFamily="49" charset="-122"/>
                 <a:ea typeface="幼圆" panose="02010509060101010101" pitchFamily="49" charset="-122"/>
               </a:rPr>
-              <a:t>虚拟网卡模拟网络设备驱动</a:t>
+              <a:t>模拟网络设备驱动</a:t>
+            </a:r>
+            <a:endParaRPr lang="zh-CN" altLang="en-US" sz="1705" dirty="0">
+              <a:latin typeface="幼圆" panose="02010509060101010101" pitchFamily="49" charset="-122"/>
+              <a:ea typeface="幼圆" panose="02010509060101010101" pitchFamily="49" charset="-122"/>
+            </a:endParaRPr>
+          </a:p>
+          <a:p>
+            <a:pPr lvl="2" algn="l">
+              <a:buClrTx/>
+              <a:buSzTx/>
+            </a:pPr>
+            <a:r>
+              <a:rPr lang="zh-CN" altLang="en-US" sz="1705" dirty="0">
+                <a:latin typeface="幼圆" panose="02010509060101010101" pitchFamily="49" charset="-122"/>
+                <a:ea typeface="幼圆" panose="02010509060101010101" pitchFamily="49" charset="-122"/>
+              </a:rPr>
+              <a:t>支持</a:t>
+            </a:r>
+            <a:r>
+              <a:rPr lang="en-US" altLang="zh-CN" sz="1705" dirty="0">
+                <a:latin typeface="幼圆" panose="02010509060101010101" pitchFamily="49" charset="-122"/>
+                <a:ea typeface="幼圆" panose="02010509060101010101" pitchFamily="49" charset="-122"/>
+              </a:rPr>
+              <a:t>H2 USB</a:t>
+            </a:r>
+            <a:r>
+              <a:rPr lang="zh-CN" altLang="en-US" sz="1705" dirty="0">
+                <a:latin typeface="幼圆" panose="02010509060101010101" pitchFamily="49" charset="-122"/>
+                <a:ea typeface="幼圆" panose="02010509060101010101" pitchFamily="49" charset="-122"/>
+              </a:rPr>
+              <a:t>蓝牙</a:t>
+            </a:r>
+            <a:r>
+              <a:rPr lang="en-US" altLang="zh-CN" sz="1705" dirty="0">
+                <a:latin typeface="幼圆" panose="02010509060101010101" pitchFamily="49" charset="-122"/>
+                <a:ea typeface="幼圆" panose="02010509060101010101" pitchFamily="49" charset="-122"/>
+              </a:rPr>
+              <a:t>dongle(</a:t>
+            </a:r>
+            <a:r>
+              <a:rPr lang="zh-CN" altLang="en-US" sz="1705" dirty="0">
+                <a:latin typeface="幼圆" panose="02010509060101010101" pitchFamily="49" charset="-122"/>
+                <a:ea typeface="幼圆" panose="02010509060101010101" pitchFamily="49" charset="-122"/>
+              </a:rPr>
+              <a:t>通过</a:t>
+            </a:r>
+            <a:r>
+              <a:rPr lang="en-US" altLang="zh-CN" sz="1705" dirty="0">
+                <a:latin typeface="幼圆" panose="02010509060101010101" pitchFamily="49" charset="-122"/>
+                <a:ea typeface="幼圆" panose="02010509060101010101" pitchFamily="49" charset="-122"/>
+              </a:rPr>
+              <a:t>winusb</a:t>
+            </a:r>
+            <a:r>
+              <a:rPr lang="zh-CN" altLang="en-US" sz="1705" dirty="0">
+                <a:latin typeface="幼圆" panose="02010509060101010101" pitchFamily="49" charset="-122"/>
+                <a:ea typeface="幼圆" panose="02010509060101010101" pitchFamily="49" charset="-122"/>
+              </a:rPr>
+              <a:t>模拟的</a:t>
+            </a:r>
+            <a:r>
+              <a:rPr lang="en-US" altLang="zh-CN" sz="1705" dirty="0">
+                <a:latin typeface="幼圆" panose="02010509060101010101" pitchFamily="49" charset="-122"/>
+                <a:ea typeface="幼圆" panose="02010509060101010101" pitchFamily="49" charset="-122"/>
+              </a:rPr>
+              <a:t>usb_hcd</a:t>
+            </a:r>
+            <a:r>
+              <a:rPr lang="en-US" altLang="zh-CN" sz="1705" dirty="0">
+                <a:latin typeface="幼圆" panose="02010509060101010101" pitchFamily="49" charset="-122"/>
+                <a:ea typeface="幼圆" panose="02010509060101010101" pitchFamily="49" charset="-122"/>
+              </a:rPr>
+              <a:t>)</a:t>
             </a:r>
             <a:endParaRPr lang="zh-CN" altLang="en-US" sz="1705" dirty="0">
               <a:latin typeface="幼圆" panose="02010509060101010101" pitchFamily="49" charset="-122"/>
